--- a/ppt_final.pptx
+++ b/ppt_final.pptx
@@ -3,19 +3,20 @@
 <p:presentation xmlns:a="http://schemas.openxmlformats.org/drawingml/2006/main" xmlns:r="http://schemas.openxmlformats.org/officeDocument/2006/relationships" xmlns:p="http://schemas.openxmlformats.org/presentationml/2006/main" autoCompressPictures="0">
   <p:sldMasterIdLst>
     <p:sldMasterId id="2147483648" r:id="rId1"/>
+    <p:sldMasterId id="2147483669" r:id="rId2"/>
   </p:sldMasterIdLst>
   <p:sldIdLst>
-    <p:sldId id="256" r:id="rId2"/>
-    <p:sldId id="267" r:id="rId3"/>
-    <p:sldId id="257" r:id="rId4"/>
-    <p:sldId id="258" r:id="rId5"/>
-    <p:sldId id="259" r:id="rId6"/>
-    <p:sldId id="260" r:id="rId7"/>
-    <p:sldId id="261" r:id="rId8"/>
-    <p:sldId id="262" r:id="rId9"/>
-    <p:sldId id="263" r:id="rId10"/>
-    <p:sldId id="264" r:id="rId11"/>
-    <p:sldId id="266" r:id="rId12"/>
+    <p:sldId id="256" r:id="rId3"/>
+    <p:sldId id="267" r:id="rId4"/>
+    <p:sldId id="257" r:id="rId5"/>
+    <p:sldId id="258" r:id="rId6"/>
+    <p:sldId id="259" r:id="rId7"/>
+    <p:sldId id="260" r:id="rId8"/>
+    <p:sldId id="261" r:id="rId9"/>
+    <p:sldId id="262" r:id="rId10"/>
+    <p:sldId id="263" r:id="rId11"/>
+    <p:sldId id="264" r:id="rId12"/>
+    <p:sldId id="266" r:id="rId13"/>
   </p:sldIdLst>
   <p:sldSz cx="12192000" cy="6858000"/>
   <p:notesSz cx="6858000" cy="9144000"/>
@@ -114,7 +115,16 @@
       </a:defRPr>
     </a:lvl9pPr>
   </p:defaultTextStyle>
+  <p:extLst>
+    <p:ext uri="{EFAFB233-063F-42B5-8137-9DF3F51BA10A}">
+      <p15:sldGuideLst xmlns:p15="http://schemas.microsoft.com/office/powerpoint/2012/main"/>
+    </p:ext>
+  </p:extLst>
 </p:presentation>
+</file>
+
+<file path=ppt/revisionInfo.xml><?xml version="1.0" encoding="utf-8"?>
+<p1510:revInfo xmlns:a="http://schemas.openxmlformats.org/drawingml/2006/main" xmlns:r="http://schemas.openxmlformats.org/officeDocument/2006/relationships" xmlns:p1510="http://schemas.microsoft.com/office/powerpoint/2015/10/main"/>
 </file>
 
 <file path=ppt/slideLayouts/slideLayout1.xml><?xml version="1.0" encoding="utf-8"?>
@@ -374,8 +384,8 @@
         </p:blipFill>
         <p:spPr bwMode="auto">
           <a:xfrm>
-            <a:off x="10201275" y="5371097"/>
-            <a:ext cx="1990725" cy="1390650"/>
+            <a:off x="10637949" y="5676141"/>
+            <a:ext cx="1554051" cy="1085605"/>
           </a:xfrm>
           <a:prstGeom prst="rect">
             <a:avLst/>
@@ -3364,6 +3374,424 @@
 </p:sldLayout>
 </file>
 
+<file path=ppt/slideLayouts/slideLayout18.xml><?xml version="1.0" encoding="utf-8"?>
+<p:sldLayout xmlns:a="http://schemas.openxmlformats.org/drawingml/2006/main" xmlns:r="http://schemas.openxmlformats.org/officeDocument/2006/relationships" xmlns:p="http://schemas.openxmlformats.org/presentationml/2006/main" type="title" preserve="1">
+  <p:cSld name="Diapositive de titre">
+    <p:spTree>
+      <p:nvGrpSpPr>
+        <p:cNvPr id="1" name=""/>
+        <p:cNvGrpSpPr/>
+        <p:nvPr/>
+      </p:nvGrpSpPr>
+      <p:grpSpPr>
+        <a:xfrm>
+          <a:off x="0" y="0"/>
+          <a:ext cx="0" cy="0"/>
+          <a:chOff x="0" y="0"/>
+          <a:chExt cx="0" cy="0"/>
+        </a:xfrm>
+      </p:grpSpPr>
+      <p:sp>
+        <p:nvSpPr>
+          <p:cNvPr id="2" name="Titre 1">
+            <a:extLst>
+              <a:ext uri="{FF2B5EF4-FFF2-40B4-BE49-F238E27FC236}">
+                <a16:creationId xmlns:a16="http://schemas.microsoft.com/office/drawing/2014/main" id="{204F1F88-4FDB-486F-A212-FB713474EDD4}"/>
+              </a:ext>
+            </a:extLst>
+          </p:cNvPr>
+          <p:cNvSpPr>
+            <a:spLocks noGrp="1"/>
+          </p:cNvSpPr>
+          <p:nvPr>
+            <p:ph type="ctrTitle"/>
+          </p:nvPr>
+        </p:nvSpPr>
+        <p:spPr>
+          <a:xfrm>
+            <a:off x="1524000" y="1122363"/>
+            <a:ext cx="9144000" cy="2387600"/>
+          </a:xfrm>
+        </p:spPr>
+        <p:txBody>
+          <a:bodyPr anchor="b"/>
+          <a:lstStyle>
+            <a:lvl1pPr algn="ctr">
+              <a:defRPr sz="6000"/>
+            </a:lvl1pPr>
+          </a:lstStyle>
+          <a:p>
+            <a:r>
+              <a:rPr lang="fr-FR"/>
+              <a:t>Modifiez le style du titre</a:t>
+            </a:r>
+          </a:p>
+        </p:txBody>
+      </p:sp>
+      <p:sp>
+        <p:nvSpPr>
+          <p:cNvPr id="3" name="Sous-titre 2">
+            <a:extLst>
+              <a:ext uri="{FF2B5EF4-FFF2-40B4-BE49-F238E27FC236}">
+                <a16:creationId xmlns:a16="http://schemas.microsoft.com/office/drawing/2014/main" id="{3852A625-FB22-4F1F-A4EB-A87A1DFC6FE6}"/>
+              </a:ext>
+            </a:extLst>
+          </p:cNvPr>
+          <p:cNvSpPr>
+            <a:spLocks noGrp="1"/>
+          </p:cNvSpPr>
+          <p:nvPr>
+            <p:ph type="subTitle" idx="1"/>
+          </p:nvPr>
+        </p:nvSpPr>
+        <p:spPr>
+          <a:xfrm>
+            <a:off x="1524000" y="3602038"/>
+            <a:ext cx="9144000" cy="1655762"/>
+          </a:xfrm>
+        </p:spPr>
+        <p:txBody>
+          <a:bodyPr/>
+          <a:lstStyle>
+            <a:lvl1pPr marL="0" indent="0" algn="ctr">
+              <a:buNone/>
+              <a:defRPr sz="2400"/>
+            </a:lvl1pPr>
+            <a:lvl2pPr marL="457200" indent="0" algn="ctr">
+              <a:buNone/>
+              <a:defRPr sz="2000"/>
+            </a:lvl2pPr>
+            <a:lvl3pPr marL="914400" indent="0" algn="ctr">
+              <a:buNone/>
+              <a:defRPr sz="1800"/>
+            </a:lvl3pPr>
+            <a:lvl4pPr marL="1371600" indent="0" algn="ctr">
+              <a:buNone/>
+              <a:defRPr sz="1600"/>
+            </a:lvl4pPr>
+            <a:lvl5pPr marL="1828800" indent="0" algn="ctr">
+              <a:buNone/>
+              <a:defRPr sz="1600"/>
+            </a:lvl5pPr>
+            <a:lvl6pPr marL="2286000" indent="0" algn="ctr">
+              <a:buNone/>
+              <a:defRPr sz="1600"/>
+            </a:lvl6pPr>
+            <a:lvl7pPr marL="2743200" indent="0" algn="ctr">
+              <a:buNone/>
+              <a:defRPr sz="1600"/>
+            </a:lvl7pPr>
+            <a:lvl8pPr marL="3200400" indent="0" algn="ctr">
+              <a:buNone/>
+              <a:defRPr sz="1600"/>
+            </a:lvl8pPr>
+            <a:lvl9pPr marL="3657600" indent="0" algn="ctr">
+              <a:buNone/>
+              <a:defRPr sz="1600"/>
+            </a:lvl9pPr>
+          </a:lstStyle>
+          <a:p>
+            <a:r>
+              <a:rPr lang="fr-FR"/>
+              <a:t>Modifiez le style des sous-titres du masque</a:t>
+            </a:r>
+          </a:p>
+        </p:txBody>
+      </p:sp>
+      <p:sp>
+        <p:nvSpPr>
+          <p:cNvPr id="4" name="Espace réservé de la date 3">
+            <a:extLst>
+              <a:ext uri="{FF2B5EF4-FFF2-40B4-BE49-F238E27FC236}">
+                <a16:creationId xmlns:a16="http://schemas.microsoft.com/office/drawing/2014/main" id="{F001DE69-B910-4ECE-BD55-C72C6CE7BAC3}"/>
+              </a:ext>
+            </a:extLst>
+          </p:cNvPr>
+          <p:cNvSpPr>
+            <a:spLocks noGrp="1"/>
+          </p:cNvSpPr>
+          <p:nvPr>
+            <p:ph type="dt" sz="half" idx="10"/>
+          </p:nvPr>
+        </p:nvSpPr>
+        <p:spPr/>
+        <p:txBody>
+          <a:bodyPr/>
+          <a:lstStyle/>
+          <a:p>
+            <a:fld id="{612FF8F0-DE16-4E3D-846B-B895487F9DC8}" type="datetimeFigureOut">
+              <a:rPr lang="fr-FR" smtClean="0"/>
+              <a:t>09/01/2018</a:t>
+            </a:fld>
+            <a:endParaRPr lang="fr-FR"/>
+          </a:p>
+        </p:txBody>
+      </p:sp>
+      <p:sp>
+        <p:nvSpPr>
+          <p:cNvPr id="5" name="Espace réservé du pied de page 4">
+            <a:extLst>
+              <a:ext uri="{FF2B5EF4-FFF2-40B4-BE49-F238E27FC236}">
+                <a16:creationId xmlns:a16="http://schemas.microsoft.com/office/drawing/2014/main" id="{123964D3-2F26-4962-9FE0-04176E65FB5E}"/>
+              </a:ext>
+            </a:extLst>
+          </p:cNvPr>
+          <p:cNvSpPr>
+            <a:spLocks noGrp="1"/>
+          </p:cNvSpPr>
+          <p:nvPr>
+            <p:ph type="ftr" sz="quarter" idx="11"/>
+          </p:nvPr>
+        </p:nvSpPr>
+        <p:spPr/>
+        <p:txBody>
+          <a:bodyPr/>
+          <a:lstStyle/>
+          <a:p>
+            <a:endParaRPr lang="fr-FR"/>
+          </a:p>
+        </p:txBody>
+      </p:sp>
+      <p:sp>
+        <p:nvSpPr>
+          <p:cNvPr id="6" name="Espace réservé du numéro de diapositive 5">
+            <a:extLst>
+              <a:ext uri="{FF2B5EF4-FFF2-40B4-BE49-F238E27FC236}">
+                <a16:creationId xmlns:a16="http://schemas.microsoft.com/office/drawing/2014/main" id="{78E272DB-2BF5-4D90-9433-213CCBA0CFAD}"/>
+              </a:ext>
+            </a:extLst>
+          </p:cNvPr>
+          <p:cNvSpPr>
+            <a:spLocks noGrp="1"/>
+          </p:cNvSpPr>
+          <p:nvPr>
+            <p:ph type="sldNum" sz="quarter" idx="12"/>
+          </p:nvPr>
+        </p:nvSpPr>
+        <p:spPr/>
+        <p:txBody>
+          <a:bodyPr/>
+          <a:lstStyle/>
+          <a:p>
+            <a:fld id="{BC1E17BA-4C52-44E5-A51A-11232852C7FE}" type="slidenum">
+              <a:rPr lang="fr-FR" smtClean="0"/>
+              <a:t>‹N°›</a:t>
+            </a:fld>
+            <a:endParaRPr lang="fr-FR"/>
+          </a:p>
+        </p:txBody>
+      </p:sp>
+    </p:spTree>
+    <p:extLst>
+      <p:ext uri="{BB962C8B-B14F-4D97-AF65-F5344CB8AC3E}">
+        <p14:creationId xmlns:p14="http://schemas.microsoft.com/office/powerpoint/2010/main" val="881424573"/>
+      </p:ext>
+    </p:extLst>
+  </p:cSld>
+  <p:clrMapOvr>
+    <a:masterClrMapping/>
+  </p:clrMapOvr>
+</p:sldLayout>
+</file>
+
+<file path=ppt/slideLayouts/slideLayout19.xml><?xml version="1.0" encoding="utf-8"?>
+<p:sldLayout xmlns:a="http://schemas.openxmlformats.org/drawingml/2006/main" xmlns:r="http://schemas.openxmlformats.org/officeDocument/2006/relationships" xmlns:p="http://schemas.openxmlformats.org/presentationml/2006/main" type="obj" preserve="1">
+  <p:cSld name="Titre et contenu">
+    <p:spTree>
+      <p:nvGrpSpPr>
+        <p:cNvPr id="1" name=""/>
+        <p:cNvGrpSpPr/>
+        <p:nvPr/>
+      </p:nvGrpSpPr>
+      <p:grpSpPr>
+        <a:xfrm>
+          <a:off x="0" y="0"/>
+          <a:ext cx="0" cy="0"/>
+          <a:chOff x="0" y="0"/>
+          <a:chExt cx="0" cy="0"/>
+        </a:xfrm>
+      </p:grpSpPr>
+      <p:sp>
+        <p:nvSpPr>
+          <p:cNvPr id="2" name="Titre 1">
+            <a:extLst>
+              <a:ext uri="{FF2B5EF4-FFF2-40B4-BE49-F238E27FC236}">
+                <a16:creationId xmlns:a16="http://schemas.microsoft.com/office/drawing/2014/main" id="{E36E0759-6DFC-4D98-AE12-0B343680F2D0}"/>
+              </a:ext>
+            </a:extLst>
+          </p:cNvPr>
+          <p:cNvSpPr>
+            <a:spLocks noGrp="1"/>
+          </p:cNvSpPr>
+          <p:nvPr>
+            <p:ph type="title"/>
+          </p:nvPr>
+        </p:nvSpPr>
+        <p:spPr/>
+        <p:txBody>
+          <a:bodyPr/>
+          <a:lstStyle/>
+          <a:p>
+            <a:r>
+              <a:rPr lang="fr-FR"/>
+              <a:t>Modifiez le style du titre</a:t>
+            </a:r>
+          </a:p>
+        </p:txBody>
+      </p:sp>
+      <p:sp>
+        <p:nvSpPr>
+          <p:cNvPr id="3" name="Espace réservé du contenu 2">
+            <a:extLst>
+              <a:ext uri="{FF2B5EF4-FFF2-40B4-BE49-F238E27FC236}">
+                <a16:creationId xmlns:a16="http://schemas.microsoft.com/office/drawing/2014/main" id="{67052C6C-21E6-463F-B6F4-C3532FF4904C}"/>
+              </a:ext>
+            </a:extLst>
+          </p:cNvPr>
+          <p:cNvSpPr>
+            <a:spLocks noGrp="1"/>
+          </p:cNvSpPr>
+          <p:nvPr>
+            <p:ph idx="1"/>
+          </p:nvPr>
+        </p:nvSpPr>
+        <p:spPr/>
+        <p:txBody>
+          <a:bodyPr/>
+          <a:lstStyle/>
+          <a:p>
+            <a:pPr lvl="0"/>
+            <a:r>
+              <a:rPr lang="fr-FR"/>
+              <a:t>Modifier les styles du texte du masque</a:t>
+            </a:r>
+          </a:p>
+          <a:p>
+            <a:pPr lvl="1"/>
+            <a:r>
+              <a:rPr lang="fr-FR"/>
+              <a:t>Deuxième niveau</a:t>
+            </a:r>
+          </a:p>
+          <a:p>
+            <a:pPr lvl="2"/>
+            <a:r>
+              <a:rPr lang="fr-FR"/>
+              <a:t>Troisième niveau</a:t>
+            </a:r>
+          </a:p>
+          <a:p>
+            <a:pPr lvl="3"/>
+            <a:r>
+              <a:rPr lang="fr-FR"/>
+              <a:t>Quatrième niveau</a:t>
+            </a:r>
+          </a:p>
+          <a:p>
+            <a:pPr lvl="4"/>
+            <a:r>
+              <a:rPr lang="fr-FR"/>
+              <a:t>Cinquième niveau</a:t>
+            </a:r>
+          </a:p>
+        </p:txBody>
+      </p:sp>
+      <p:sp>
+        <p:nvSpPr>
+          <p:cNvPr id="4" name="Espace réservé de la date 3">
+            <a:extLst>
+              <a:ext uri="{FF2B5EF4-FFF2-40B4-BE49-F238E27FC236}">
+                <a16:creationId xmlns:a16="http://schemas.microsoft.com/office/drawing/2014/main" id="{910F91E9-D559-4B04-8043-CF1FBF2E7131}"/>
+              </a:ext>
+            </a:extLst>
+          </p:cNvPr>
+          <p:cNvSpPr>
+            <a:spLocks noGrp="1"/>
+          </p:cNvSpPr>
+          <p:nvPr>
+            <p:ph type="dt" sz="half" idx="10"/>
+          </p:nvPr>
+        </p:nvSpPr>
+        <p:spPr/>
+        <p:txBody>
+          <a:bodyPr/>
+          <a:lstStyle/>
+          <a:p>
+            <a:fld id="{612FF8F0-DE16-4E3D-846B-B895487F9DC8}" type="datetimeFigureOut">
+              <a:rPr lang="fr-FR" smtClean="0"/>
+              <a:t>09/01/2018</a:t>
+            </a:fld>
+            <a:endParaRPr lang="fr-FR"/>
+          </a:p>
+        </p:txBody>
+      </p:sp>
+      <p:sp>
+        <p:nvSpPr>
+          <p:cNvPr id="5" name="Espace réservé du pied de page 4">
+            <a:extLst>
+              <a:ext uri="{FF2B5EF4-FFF2-40B4-BE49-F238E27FC236}">
+                <a16:creationId xmlns:a16="http://schemas.microsoft.com/office/drawing/2014/main" id="{92545B98-81A2-4CF5-B558-3C36DAD7457A}"/>
+              </a:ext>
+            </a:extLst>
+          </p:cNvPr>
+          <p:cNvSpPr>
+            <a:spLocks noGrp="1"/>
+          </p:cNvSpPr>
+          <p:nvPr>
+            <p:ph type="ftr" sz="quarter" idx="11"/>
+          </p:nvPr>
+        </p:nvSpPr>
+        <p:spPr/>
+        <p:txBody>
+          <a:bodyPr/>
+          <a:lstStyle/>
+          <a:p>
+            <a:endParaRPr lang="fr-FR"/>
+          </a:p>
+        </p:txBody>
+      </p:sp>
+      <p:sp>
+        <p:nvSpPr>
+          <p:cNvPr id="6" name="Espace réservé du numéro de diapositive 5">
+            <a:extLst>
+              <a:ext uri="{FF2B5EF4-FFF2-40B4-BE49-F238E27FC236}">
+                <a16:creationId xmlns:a16="http://schemas.microsoft.com/office/drawing/2014/main" id="{06F4ADD0-875A-4866-BAAB-F8A3DC0ABBFF}"/>
+              </a:ext>
+            </a:extLst>
+          </p:cNvPr>
+          <p:cNvSpPr>
+            <a:spLocks noGrp="1"/>
+          </p:cNvSpPr>
+          <p:nvPr>
+            <p:ph type="sldNum" sz="quarter" idx="12"/>
+          </p:nvPr>
+        </p:nvSpPr>
+        <p:spPr/>
+        <p:txBody>
+          <a:bodyPr/>
+          <a:lstStyle/>
+          <a:p>
+            <a:fld id="{BC1E17BA-4C52-44E5-A51A-11232852C7FE}" type="slidenum">
+              <a:rPr lang="fr-FR" smtClean="0"/>
+              <a:t>‹N°›</a:t>
+            </a:fld>
+            <a:endParaRPr lang="fr-FR"/>
+          </a:p>
+        </p:txBody>
+      </p:sp>
+    </p:spTree>
+    <p:extLst>
+      <p:ext uri="{BB962C8B-B14F-4D97-AF65-F5344CB8AC3E}">
+        <p14:creationId xmlns:p14="http://schemas.microsoft.com/office/powerpoint/2010/main" val="2235730541"/>
+      </p:ext>
+    </p:extLst>
+  </p:cSld>
+  <p:clrMapOvr>
+    <a:masterClrMapping/>
+  </p:clrMapOvr>
+</p:sldLayout>
+</file>
+
 <file path=ppt/slideLayouts/slideLayout2.xml><?xml version="1.0" encoding="utf-8"?>
 <p:sldLayout xmlns:a="http://schemas.openxmlformats.org/drawingml/2006/main" xmlns:r="http://schemas.openxmlformats.org/officeDocument/2006/relationships" xmlns:p="http://schemas.openxmlformats.org/presentationml/2006/main" type="obj" preserve="1">
   <p:cSld name="Titre et contenu">
@@ -3523,10 +3951,10 @@
       </p:sp>
       <p:pic>
         <p:nvPicPr>
-          <p:cNvPr id="7" name="Picture 2" descr="Résultat de recherche d'images pour &quot;esgi&quot;">
+          <p:cNvPr id="8" name="Picture 2" descr="Résultat de recherche d'images pour &quot;esgi&quot;">
             <a:extLst>
               <a:ext uri="{FF2B5EF4-FFF2-40B4-BE49-F238E27FC236}">
-                <a16:creationId xmlns:a16="http://schemas.microsoft.com/office/drawing/2014/main" id="{7C12F8F0-6328-4634-A574-1ACE4AED7C21}"/>
+                <a16:creationId xmlns:a16="http://schemas.microsoft.com/office/drawing/2014/main" id="{017281EC-E5DC-41CF-ABDE-CC063166019C}"/>
               </a:ext>
             </a:extLst>
           </p:cNvPr>
@@ -3550,8 +3978,8 @@
         </p:blipFill>
         <p:spPr bwMode="auto">
           <a:xfrm>
-            <a:off x="10201275" y="5371097"/>
-            <a:ext cx="1990725" cy="1390650"/>
+            <a:off x="10637949" y="5676141"/>
+            <a:ext cx="1554051" cy="1085605"/>
           </a:xfrm>
           <a:prstGeom prst="rect">
             <a:avLst/>
@@ -3569,6 +3997,2217 @@
         </p:spPr>
       </p:pic>
     </p:spTree>
+  </p:cSld>
+  <p:clrMapOvr>
+    <a:masterClrMapping/>
+  </p:clrMapOvr>
+</p:sldLayout>
+</file>
+
+<file path=ppt/slideLayouts/slideLayout20.xml><?xml version="1.0" encoding="utf-8"?>
+<p:sldLayout xmlns:a="http://schemas.openxmlformats.org/drawingml/2006/main" xmlns:r="http://schemas.openxmlformats.org/officeDocument/2006/relationships" xmlns:p="http://schemas.openxmlformats.org/presentationml/2006/main" type="secHead" preserve="1">
+  <p:cSld name="Titre de section">
+    <p:spTree>
+      <p:nvGrpSpPr>
+        <p:cNvPr id="1" name=""/>
+        <p:cNvGrpSpPr/>
+        <p:nvPr/>
+      </p:nvGrpSpPr>
+      <p:grpSpPr>
+        <a:xfrm>
+          <a:off x="0" y="0"/>
+          <a:ext cx="0" cy="0"/>
+          <a:chOff x="0" y="0"/>
+          <a:chExt cx="0" cy="0"/>
+        </a:xfrm>
+      </p:grpSpPr>
+      <p:sp>
+        <p:nvSpPr>
+          <p:cNvPr id="2" name="Titre 1">
+            <a:extLst>
+              <a:ext uri="{FF2B5EF4-FFF2-40B4-BE49-F238E27FC236}">
+                <a16:creationId xmlns:a16="http://schemas.microsoft.com/office/drawing/2014/main" id="{66C2857D-B845-4541-A318-1DDFEE284FE7}"/>
+              </a:ext>
+            </a:extLst>
+          </p:cNvPr>
+          <p:cNvSpPr>
+            <a:spLocks noGrp="1"/>
+          </p:cNvSpPr>
+          <p:nvPr>
+            <p:ph type="title"/>
+          </p:nvPr>
+        </p:nvSpPr>
+        <p:spPr>
+          <a:xfrm>
+            <a:off x="831850" y="1709738"/>
+            <a:ext cx="10515600" cy="2852737"/>
+          </a:xfrm>
+        </p:spPr>
+        <p:txBody>
+          <a:bodyPr anchor="b"/>
+          <a:lstStyle>
+            <a:lvl1pPr>
+              <a:defRPr sz="6000"/>
+            </a:lvl1pPr>
+          </a:lstStyle>
+          <a:p>
+            <a:r>
+              <a:rPr lang="fr-FR"/>
+              <a:t>Modifiez le style du titre</a:t>
+            </a:r>
+          </a:p>
+        </p:txBody>
+      </p:sp>
+      <p:sp>
+        <p:nvSpPr>
+          <p:cNvPr id="3" name="Espace réservé du texte 2">
+            <a:extLst>
+              <a:ext uri="{FF2B5EF4-FFF2-40B4-BE49-F238E27FC236}">
+                <a16:creationId xmlns:a16="http://schemas.microsoft.com/office/drawing/2014/main" id="{48E263D2-1CC1-49FA-8DEF-71E631EC8572}"/>
+              </a:ext>
+            </a:extLst>
+          </p:cNvPr>
+          <p:cNvSpPr>
+            <a:spLocks noGrp="1"/>
+          </p:cNvSpPr>
+          <p:nvPr>
+            <p:ph type="body" idx="1"/>
+          </p:nvPr>
+        </p:nvSpPr>
+        <p:spPr>
+          <a:xfrm>
+            <a:off x="831850" y="4589463"/>
+            <a:ext cx="10515600" cy="1500187"/>
+          </a:xfrm>
+        </p:spPr>
+        <p:txBody>
+          <a:bodyPr/>
+          <a:lstStyle>
+            <a:lvl1pPr marL="0" indent="0">
+              <a:buNone/>
+              <a:defRPr sz="2400">
+                <a:solidFill>
+                  <a:schemeClr val="tx1">
+                    <a:tint val="75000"/>
+                  </a:schemeClr>
+                </a:solidFill>
+              </a:defRPr>
+            </a:lvl1pPr>
+            <a:lvl2pPr marL="457200" indent="0">
+              <a:buNone/>
+              <a:defRPr sz="2000">
+                <a:solidFill>
+                  <a:schemeClr val="tx1">
+                    <a:tint val="75000"/>
+                  </a:schemeClr>
+                </a:solidFill>
+              </a:defRPr>
+            </a:lvl2pPr>
+            <a:lvl3pPr marL="914400" indent="0">
+              <a:buNone/>
+              <a:defRPr sz="1800">
+                <a:solidFill>
+                  <a:schemeClr val="tx1">
+                    <a:tint val="75000"/>
+                  </a:schemeClr>
+                </a:solidFill>
+              </a:defRPr>
+            </a:lvl3pPr>
+            <a:lvl4pPr marL="1371600" indent="0">
+              <a:buNone/>
+              <a:defRPr sz="1600">
+                <a:solidFill>
+                  <a:schemeClr val="tx1">
+                    <a:tint val="75000"/>
+                  </a:schemeClr>
+                </a:solidFill>
+              </a:defRPr>
+            </a:lvl4pPr>
+            <a:lvl5pPr marL="1828800" indent="0">
+              <a:buNone/>
+              <a:defRPr sz="1600">
+                <a:solidFill>
+                  <a:schemeClr val="tx1">
+                    <a:tint val="75000"/>
+                  </a:schemeClr>
+                </a:solidFill>
+              </a:defRPr>
+            </a:lvl5pPr>
+            <a:lvl6pPr marL="2286000" indent="0">
+              <a:buNone/>
+              <a:defRPr sz="1600">
+                <a:solidFill>
+                  <a:schemeClr val="tx1">
+                    <a:tint val="75000"/>
+                  </a:schemeClr>
+                </a:solidFill>
+              </a:defRPr>
+            </a:lvl6pPr>
+            <a:lvl7pPr marL="2743200" indent="0">
+              <a:buNone/>
+              <a:defRPr sz="1600">
+                <a:solidFill>
+                  <a:schemeClr val="tx1">
+                    <a:tint val="75000"/>
+                  </a:schemeClr>
+                </a:solidFill>
+              </a:defRPr>
+            </a:lvl7pPr>
+            <a:lvl8pPr marL="3200400" indent="0">
+              <a:buNone/>
+              <a:defRPr sz="1600">
+                <a:solidFill>
+                  <a:schemeClr val="tx1">
+                    <a:tint val="75000"/>
+                  </a:schemeClr>
+                </a:solidFill>
+              </a:defRPr>
+            </a:lvl8pPr>
+            <a:lvl9pPr marL="3657600" indent="0">
+              <a:buNone/>
+              <a:defRPr sz="1600">
+                <a:solidFill>
+                  <a:schemeClr val="tx1">
+                    <a:tint val="75000"/>
+                  </a:schemeClr>
+                </a:solidFill>
+              </a:defRPr>
+            </a:lvl9pPr>
+          </a:lstStyle>
+          <a:p>
+            <a:pPr lvl="0"/>
+            <a:r>
+              <a:rPr lang="fr-FR"/>
+              <a:t>Modifier les styles du texte du masque</a:t>
+            </a:r>
+          </a:p>
+        </p:txBody>
+      </p:sp>
+      <p:sp>
+        <p:nvSpPr>
+          <p:cNvPr id="4" name="Espace réservé de la date 3">
+            <a:extLst>
+              <a:ext uri="{FF2B5EF4-FFF2-40B4-BE49-F238E27FC236}">
+                <a16:creationId xmlns:a16="http://schemas.microsoft.com/office/drawing/2014/main" id="{2ADB0CD7-90D6-4157-A2A0-EAFAC8C79B8F}"/>
+              </a:ext>
+            </a:extLst>
+          </p:cNvPr>
+          <p:cNvSpPr>
+            <a:spLocks noGrp="1"/>
+          </p:cNvSpPr>
+          <p:nvPr>
+            <p:ph type="dt" sz="half" idx="10"/>
+          </p:nvPr>
+        </p:nvSpPr>
+        <p:spPr/>
+        <p:txBody>
+          <a:bodyPr/>
+          <a:lstStyle/>
+          <a:p>
+            <a:fld id="{612FF8F0-DE16-4E3D-846B-B895487F9DC8}" type="datetimeFigureOut">
+              <a:rPr lang="fr-FR" smtClean="0"/>
+              <a:t>09/01/2018</a:t>
+            </a:fld>
+            <a:endParaRPr lang="fr-FR"/>
+          </a:p>
+        </p:txBody>
+      </p:sp>
+      <p:sp>
+        <p:nvSpPr>
+          <p:cNvPr id="5" name="Espace réservé du pied de page 4">
+            <a:extLst>
+              <a:ext uri="{FF2B5EF4-FFF2-40B4-BE49-F238E27FC236}">
+                <a16:creationId xmlns:a16="http://schemas.microsoft.com/office/drawing/2014/main" id="{2BFDE599-8F41-4085-84BC-7AF73EA2571B}"/>
+              </a:ext>
+            </a:extLst>
+          </p:cNvPr>
+          <p:cNvSpPr>
+            <a:spLocks noGrp="1"/>
+          </p:cNvSpPr>
+          <p:nvPr>
+            <p:ph type="ftr" sz="quarter" idx="11"/>
+          </p:nvPr>
+        </p:nvSpPr>
+        <p:spPr/>
+        <p:txBody>
+          <a:bodyPr/>
+          <a:lstStyle/>
+          <a:p>
+            <a:endParaRPr lang="fr-FR"/>
+          </a:p>
+        </p:txBody>
+      </p:sp>
+      <p:sp>
+        <p:nvSpPr>
+          <p:cNvPr id="6" name="Espace réservé du numéro de diapositive 5">
+            <a:extLst>
+              <a:ext uri="{FF2B5EF4-FFF2-40B4-BE49-F238E27FC236}">
+                <a16:creationId xmlns:a16="http://schemas.microsoft.com/office/drawing/2014/main" id="{F7EEDB30-6D5E-4BE0-AB10-CFFB60CCDD98}"/>
+              </a:ext>
+            </a:extLst>
+          </p:cNvPr>
+          <p:cNvSpPr>
+            <a:spLocks noGrp="1"/>
+          </p:cNvSpPr>
+          <p:nvPr>
+            <p:ph type="sldNum" sz="quarter" idx="12"/>
+          </p:nvPr>
+        </p:nvSpPr>
+        <p:spPr/>
+        <p:txBody>
+          <a:bodyPr/>
+          <a:lstStyle/>
+          <a:p>
+            <a:fld id="{BC1E17BA-4C52-44E5-A51A-11232852C7FE}" type="slidenum">
+              <a:rPr lang="fr-FR" smtClean="0"/>
+              <a:t>‹N°›</a:t>
+            </a:fld>
+            <a:endParaRPr lang="fr-FR"/>
+          </a:p>
+        </p:txBody>
+      </p:sp>
+    </p:spTree>
+    <p:extLst>
+      <p:ext uri="{BB962C8B-B14F-4D97-AF65-F5344CB8AC3E}">
+        <p14:creationId xmlns:p14="http://schemas.microsoft.com/office/powerpoint/2010/main" val="621650140"/>
+      </p:ext>
+    </p:extLst>
+  </p:cSld>
+  <p:clrMapOvr>
+    <a:masterClrMapping/>
+  </p:clrMapOvr>
+</p:sldLayout>
+</file>
+
+<file path=ppt/slideLayouts/slideLayout21.xml><?xml version="1.0" encoding="utf-8"?>
+<p:sldLayout xmlns:a="http://schemas.openxmlformats.org/drawingml/2006/main" xmlns:r="http://schemas.openxmlformats.org/officeDocument/2006/relationships" xmlns:p="http://schemas.openxmlformats.org/presentationml/2006/main" type="twoObj" preserve="1">
+  <p:cSld name="Deux contenus">
+    <p:spTree>
+      <p:nvGrpSpPr>
+        <p:cNvPr id="1" name=""/>
+        <p:cNvGrpSpPr/>
+        <p:nvPr/>
+      </p:nvGrpSpPr>
+      <p:grpSpPr>
+        <a:xfrm>
+          <a:off x="0" y="0"/>
+          <a:ext cx="0" cy="0"/>
+          <a:chOff x="0" y="0"/>
+          <a:chExt cx="0" cy="0"/>
+        </a:xfrm>
+      </p:grpSpPr>
+      <p:sp>
+        <p:nvSpPr>
+          <p:cNvPr id="2" name="Titre 1">
+            <a:extLst>
+              <a:ext uri="{FF2B5EF4-FFF2-40B4-BE49-F238E27FC236}">
+                <a16:creationId xmlns:a16="http://schemas.microsoft.com/office/drawing/2014/main" id="{67A5D5FD-97EF-4D41-8C13-62C0678E67CD}"/>
+              </a:ext>
+            </a:extLst>
+          </p:cNvPr>
+          <p:cNvSpPr>
+            <a:spLocks noGrp="1"/>
+          </p:cNvSpPr>
+          <p:nvPr>
+            <p:ph type="title"/>
+          </p:nvPr>
+        </p:nvSpPr>
+        <p:spPr/>
+        <p:txBody>
+          <a:bodyPr/>
+          <a:lstStyle/>
+          <a:p>
+            <a:r>
+              <a:rPr lang="fr-FR"/>
+              <a:t>Modifiez le style du titre</a:t>
+            </a:r>
+          </a:p>
+        </p:txBody>
+      </p:sp>
+      <p:sp>
+        <p:nvSpPr>
+          <p:cNvPr id="3" name="Espace réservé du contenu 2">
+            <a:extLst>
+              <a:ext uri="{FF2B5EF4-FFF2-40B4-BE49-F238E27FC236}">
+                <a16:creationId xmlns:a16="http://schemas.microsoft.com/office/drawing/2014/main" id="{D188303C-239A-46C5-BDB1-69C66BC0E713}"/>
+              </a:ext>
+            </a:extLst>
+          </p:cNvPr>
+          <p:cNvSpPr>
+            <a:spLocks noGrp="1"/>
+          </p:cNvSpPr>
+          <p:nvPr>
+            <p:ph sz="half" idx="1"/>
+          </p:nvPr>
+        </p:nvSpPr>
+        <p:spPr>
+          <a:xfrm>
+            <a:off x="838200" y="1825625"/>
+            <a:ext cx="5181600" cy="4351338"/>
+          </a:xfrm>
+        </p:spPr>
+        <p:txBody>
+          <a:bodyPr/>
+          <a:lstStyle/>
+          <a:p>
+            <a:pPr lvl="0"/>
+            <a:r>
+              <a:rPr lang="fr-FR"/>
+              <a:t>Modifier les styles du texte du masque</a:t>
+            </a:r>
+          </a:p>
+          <a:p>
+            <a:pPr lvl="1"/>
+            <a:r>
+              <a:rPr lang="fr-FR"/>
+              <a:t>Deuxième niveau</a:t>
+            </a:r>
+          </a:p>
+          <a:p>
+            <a:pPr lvl="2"/>
+            <a:r>
+              <a:rPr lang="fr-FR"/>
+              <a:t>Troisième niveau</a:t>
+            </a:r>
+          </a:p>
+          <a:p>
+            <a:pPr lvl="3"/>
+            <a:r>
+              <a:rPr lang="fr-FR"/>
+              <a:t>Quatrième niveau</a:t>
+            </a:r>
+          </a:p>
+          <a:p>
+            <a:pPr lvl="4"/>
+            <a:r>
+              <a:rPr lang="fr-FR"/>
+              <a:t>Cinquième niveau</a:t>
+            </a:r>
+          </a:p>
+        </p:txBody>
+      </p:sp>
+      <p:sp>
+        <p:nvSpPr>
+          <p:cNvPr id="4" name="Espace réservé du contenu 3">
+            <a:extLst>
+              <a:ext uri="{FF2B5EF4-FFF2-40B4-BE49-F238E27FC236}">
+                <a16:creationId xmlns:a16="http://schemas.microsoft.com/office/drawing/2014/main" id="{09BB8A80-0F2B-45A0-86BF-88A132AD1826}"/>
+              </a:ext>
+            </a:extLst>
+          </p:cNvPr>
+          <p:cNvSpPr>
+            <a:spLocks noGrp="1"/>
+          </p:cNvSpPr>
+          <p:nvPr>
+            <p:ph sz="half" idx="2"/>
+          </p:nvPr>
+        </p:nvSpPr>
+        <p:spPr>
+          <a:xfrm>
+            <a:off x="6172200" y="1825625"/>
+            <a:ext cx="5181600" cy="4351338"/>
+          </a:xfrm>
+        </p:spPr>
+        <p:txBody>
+          <a:bodyPr/>
+          <a:lstStyle/>
+          <a:p>
+            <a:pPr lvl="0"/>
+            <a:r>
+              <a:rPr lang="fr-FR"/>
+              <a:t>Modifier les styles du texte du masque</a:t>
+            </a:r>
+          </a:p>
+          <a:p>
+            <a:pPr lvl="1"/>
+            <a:r>
+              <a:rPr lang="fr-FR"/>
+              <a:t>Deuxième niveau</a:t>
+            </a:r>
+          </a:p>
+          <a:p>
+            <a:pPr lvl="2"/>
+            <a:r>
+              <a:rPr lang="fr-FR"/>
+              <a:t>Troisième niveau</a:t>
+            </a:r>
+          </a:p>
+          <a:p>
+            <a:pPr lvl="3"/>
+            <a:r>
+              <a:rPr lang="fr-FR"/>
+              <a:t>Quatrième niveau</a:t>
+            </a:r>
+          </a:p>
+          <a:p>
+            <a:pPr lvl="4"/>
+            <a:r>
+              <a:rPr lang="fr-FR"/>
+              <a:t>Cinquième niveau</a:t>
+            </a:r>
+          </a:p>
+        </p:txBody>
+      </p:sp>
+      <p:sp>
+        <p:nvSpPr>
+          <p:cNvPr id="5" name="Espace réservé de la date 4">
+            <a:extLst>
+              <a:ext uri="{FF2B5EF4-FFF2-40B4-BE49-F238E27FC236}">
+                <a16:creationId xmlns:a16="http://schemas.microsoft.com/office/drawing/2014/main" id="{2DC807D8-8B1D-437F-AB7F-B117BE846303}"/>
+              </a:ext>
+            </a:extLst>
+          </p:cNvPr>
+          <p:cNvSpPr>
+            <a:spLocks noGrp="1"/>
+          </p:cNvSpPr>
+          <p:nvPr>
+            <p:ph type="dt" sz="half" idx="10"/>
+          </p:nvPr>
+        </p:nvSpPr>
+        <p:spPr/>
+        <p:txBody>
+          <a:bodyPr/>
+          <a:lstStyle/>
+          <a:p>
+            <a:fld id="{612FF8F0-DE16-4E3D-846B-B895487F9DC8}" type="datetimeFigureOut">
+              <a:rPr lang="fr-FR" smtClean="0"/>
+              <a:t>09/01/2018</a:t>
+            </a:fld>
+            <a:endParaRPr lang="fr-FR"/>
+          </a:p>
+        </p:txBody>
+      </p:sp>
+      <p:sp>
+        <p:nvSpPr>
+          <p:cNvPr id="6" name="Espace réservé du pied de page 5">
+            <a:extLst>
+              <a:ext uri="{FF2B5EF4-FFF2-40B4-BE49-F238E27FC236}">
+                <a16:creationId xmlns:a16="http://schemas.microsoft.com/office/drawing/2014/main" id="{1A2F09B8-D147-42D2-AE2A-18FF76DA9031}"/>
+              </a:ext>
+            </a:extLst>
+          </p:cNvPr>
+          <p:cNvSpPr>
+            <a:spLocks noGrp="1"/>
+          </p:cNvSpPr>
+          <p:nvPr>
+            <p:ph type="ftr" sz="quarter" idx="11"/>
+          </p:nvPr>
+        </p:nvSpPr>
+        <p:spPr/>
+        <p:txBody>
+          <a:bodyPr/>
+          <a:lstStyle/>
+          <a:p>
+            <a:endParaRPr lang="fr-FR"/>
+          </a:p>
+        </p:txBody>
+      </p:sp>
+      <p:sp>
+        <p:nvSpPr>
+          <p:cNvPr id="7" name="Espace réservé du numéro de diapositive 6">
+            <a:extLst>
+              <a:ext uri="{FF2B5EF4-FFF2-40B4-BE49-F238E27FC236}">
+                <a16:creationId xmlns:a16="http://schemas.microsoft.com/office/drawing/2014/main" id="{9346C3B1-A179-4E1C-AD69-21177106956E}"/>
+              </a:ext>
+            </a:extLst>
+          </p:cNvPr>
+          <p:cNvSpPr>
+            <a:spLocks noGrp="1"/>
+          </p:cNvSpPr>
+          <p:nvPr>
+            <p:ph type="sldNum" sz="quarter" idx="12"/>
+          </p:nvPr>
+        </p:nvSpPr>
+        <p:spPr/>
+        <p:txBody>
+          <a:bodyPr/>
+          <a:lstStyle/>
+          <a:p>
+            <a:fld id="{BC1E17BA-4C52-44E5-A51A-11232852C7FE}" type="slidenum">
+              <a:rPr lang="fr-FR" smtClean="0"/>
+              <a:t>‹N°›</a:t>
+            </a:fld>
+            <a:endParaRPr lang="fr-FR"/>
+          </a:p>
+        </p:txBody>
+      </p:sp>
+    </p:spTree>
+    <p:extLst>
+      <p:ext uri="{BB962C8B-B14F-4D97-AF65-F5344CB8AC3E}">
+        <p14:creationId xmlns:p14="http://schemas.microsoft.com/office/powerpoint/2010/main" val="2501727706"/>
+      </p:ext>
+    </p:extLst>
+  </p:cSld>
+  <p:clrMapOvr>
+    <a:masterClrMapping/>
+  </p:clrMapOvr>
+</p:sldLayout>
+</file>
+
+<file path=ppt/slideLayouts/slideLayout22.xml><?xml version="1.0" encoding="utf-8"?>
+<p:sldLayout xmlns:a="http://schemas.openxmlformats.org/drawingml/2006/main" xmlns:r="http://schemas.openxmlformats.org/officeDocument/2006/relationships" xmlns:p="http://schemas.openxmlformats.org/presentationml/2006/main" type="twoTxTwoObj" preserve="1">
+  <p:cSld name="Comparaison">
+    <p:spTree>
+      <p:nvGrpSpPr>
+        <p:cNvPr id="1" name=""/>
+        <p:cNvGrpSpPr/>
+        <p:nvPr/>
+      </p:nvGrpSpPr>
+      <p:grpSpPr>
+        <a:xfrm>
+          <a:off x="0" y="0"/>
+          <a:ext cx="0" cy="0"/>
+          <a:chOff x="0" y="0"/>
+          <a:chExt cx="0" cy="0"/>
+        </a:xfrm>
+      </p:grpSpPr>
+      <p:sp>
+        <p:nvSpPr>
+          <p:cNvPr id="2" name="Titre 1">
+            <a:extLst>
+              <a:ext uri="{FF2B5EF4-FFF2-40B4-BE49-F238E27FC236}">
+                <a16:creationId xmlns:a16="http://schemas.microsoft.com/office/drawing/2014/main" id="{81D643D6-C697-4567-80A9-BB75AF614C1D}"/>
+              </a:ext>
+            </a:extLst>
+          </p:cNvPr>
+          <p:cNvSpPr>
+            <a:spLocks noGrp="1"/>
+          </p:cNvSpPr>
+          <p:nvPr>
+            <p:ph type="title"/>
+          </p:nvPr>
+        </p:nvSpPr>
+        <p:spPr>
+          <a:xfrm>
+            <a:off x="839788" y="365125"/>
+            <a:ext cx="10515600" cy="1325563"/>
+          </a:xfrm>
+        </p:spPr>
+        <p:txBody>
+          <a:bodyPr/>
+          <a:lstStyle/>
+          <a:p>
+            <a:r>
+              <a:rPr lang="fr-FR"/>
+              <a:t>Modifiez le style du titre</a:t>
+            </a:r>
+          </a:p>
+        </p:txBody>
+      </p:sp>
+      <p:sp>
+        <p:nvSpPr>
+          <p:cNvPr id="3" name="Espace réservé du texte 2">
+            <a:extLst>
+              <a:ext uri="{FF2B5EF4-FFF2-40B4-BE49-F238E27FC236}">
+                <a16:creationId xmlns:a16="http://schemas.microsoft.com/office/drawing/2014/main" id="{68D395A4-4491-4386-9F10-8B3D1E427900}"/>
+              </a:ext>
+            </a:extLst>
+          </p:cNvPr>
+          <p:cNvSpPr>
+            <a:spLocks noGrp="1"/>
+          </p:cNvSpPr>
+          <p:nvPr>
+            <p:ph type="body" idx="1"/>
+          </p:nvPr>
+        </p:nvSpPr>
+        <p:spPr>
+          <a:xfrm>
+            <a:off x="839788" y="1681163"/>
+            <a:ext cx="5157787" cy="823912"/>
+          </a:xfrm>
+        </p:spPr>
+        <p:txBody>
+          <a:bodyPr anchor="b"/>
+          <a:lstStyle>
+            <a:lvl1pPr marL="0" indent="0">
+              <a:buNone/>
+              <a:defRPr sz="2400" b="1"/>
+            </a:lvl1pPr>
+            <a:lvl2pPr marL="457200" indent="0">
+              <a:buNone/>
+              <a:defRPr sz="2000" b="1"/>
+            </a:lvl2pPr>
+            <a:lvl3pPr marL="914400" indent="0">
+              <a:buNone/>
+              <a:defRPr sz="1800" b="1"/>
+            </a:lvl3pPr>
+            <a:lvl4pPr marL="1371600" indent="0">
+              <a:buNone/>
+              <a:defRPr sz="1600" b="1"/>
+            </a:lvl4pPr>
+            <a:lvl5pPr marL="1828800" indent="0">
+              <a:buNone/>
+              <a:defRPr sz="1600" b="1"/>
+            </a:lvl5pPr>
+            <a:lvl6pPr marL="2286000" indent="0">
+              <a:buNone/>
+              <a:defRPr sz="1600" b="1"/>
+            </a:lvl6pPr>
+            <a:lvl7pPr marL="2743200" indent="0">
+              <a:buNone/>
+              <a:defRPr sz="1600" b="1"/>
+            </a:lvl7pPr>
+            <a:lvl8pPr marL="3200400" indent="0">
+              <a:buNone/>
+              <a:defRPr sz="1600" b="1"/>
+            </a:lvl8pPr>
+            <a:lvl9pPr marL="3657600" indent="0">
+              <a:buNone/>
+              <a:defRPr sz="1600" b="1"/>
+            </a:lvl9pPr>
+          </a:lstStyle>
+          <a:p>
+            <a:pPr lvl="0"/>
+            <a:r>
+              <a:rPr lang="fr-FR"/>
+              <a:t>Modifier les styles du texte du masque</a:t>
+            </a:r>
+          </a:p>
+        </p:txBody>
+      </p:sp>
+      <p:sp>
+        <p:nvSpPr>
+          <p:cNvPr id="4" name="Espace réservé du contenu 3">
+            <a:extLst>
+              <a:ext uri="{FF2B5EF4-FFF2-40B4-BE49-F238E27FC236}">
+                <a16:creationId xmlns:a16="http://schemas.microsoft.com/office/drawing/2014/main" id="{AE1F0D0D-BFD1-45CA-A67C-5074418D546C}"/>
+              </a:ext>
+            </a:extLst>
+          </p:cNvPr>
+          <p:cNvSpPr>
+            <a:spLocks noGrp="1"/>
+          </p:cNvSpPr>
+          <p:nvPr>
+            <p:ph sz="half" idx="2"/>
+          </p:nvPr>
+        </p:nvSpPr>
+        <p:spPr>
+          <a:xfrm>
+            <a:off x="839788" y="2505075"/>
+            <a:ext cx="5157787" cy="3684588"/>
+          </a:xfrm>
+        </p:spPr>
+        <p:txBody>
+          <a:bodyPr/>
+          <a:lstStyle/>
+          <a:p>
+            <a:pPr lvl="0"/>
+            <a:r>
+              <a:rPr lang="fr-FR"/>
+              <a:t>Modifier les styles du texte du masque</a:t>
+            </a:r>
+          </a:p>
+          <a:p>
+            <a:pPr lvl="1"/>
+            <a:r>
+              <a:rPr lang="fr-FR"/>
+              <a:t>Deuxième niveau</a:t>
+            </a:r>
+          </a:p>
+          <a:p>
+            <a:pPr lvl="2"/>
+            <a:r>
+              <a:rPr lang="fr-FR"/>
+              <a:t>Troisième niveau</a:t>
+            </a:r>
+          </a:p>
+          <a:p>
+            <a:pPr lvl="3"/>
+            <a:r>
+              <a:rPr lang="fr-FR"/>
+              <a:t>Quatrième niveau</a:t>
+            </a:r>
+          </a:p>
+          <a:p>
+            <a:pPr lvl="4"/>
+            <a:r>
+              <a:rPr lang="fr-FR"/>
+              <a:t>Cinquième niveau</a:t>
+            </a:r>
+          </a:p>
+        </p:txBody>
+      </p:sp>
+      <p:sp>
+        <p:nvSpPr>
+          <p:cNvPr id="5" name="Espace réservé du texte 4">
+            <a:extLst>
+              <a:ext uri="{FF2B5EF4-FFF2-40B4-BE49-F238E27FC236}">
+                <a16:creationId xmlns:a16="http://schemas.microsoft.com/office/drawing/2014/main" id="{89508773-A8CA-4A65-BD39-C755B402ABA5}"/>
+              </a:ext>
+            </a:extLst>
+          </p:cNvPr>
+          <p:cNvSpPr>
+            <a:spLocks noGrp="1"/>
+          </p:cNvSpPr>
+          <p:nvPr>
+            <p:ph type="body" sz="quarter" idx="3"/>
+          </p:nvPr>
+        </p:nvSpPr>
+        <p:spPr>
+          <a:xfrm>
+            <a:off x="6172200" y="1681163"/>
+            <a:ext cx="5183188" cy="823912"/>
+          </a:xfrm>
+        </p:spPr>
+        <p:txBody>
+          <a:bodyPr anchor="b"/>
+          <a:lstStyle>
+            <a:lvl1pPr marL="0" indent="0">
+              <a:buNone/>
+              <a:defRPr sz="2400" b="1"/>
+            </a:lvl1pPr>
+            <a:lvl2pPr marL="457200" indent="0">
+              <a:buNone/>
+              <a:defRPr sz="2000" b="1"/>
+            </a:lvl2pPr>
+            <a:lvl3pPr marL="914400" indent="0">
+              <a:buNone/>
+              <a:defRPr sz="1800" b="1"/>
+            </a:lvl3pPr>
+            <a:lvl4pPr marL="1371600" indent="0">
+              <a:buNone/>
+              <a:defRPr sz="1600" b="1"/>
+            </a:lvl4pPr>
+            <a:lvl5pPr marL="1828800" indent="0">
+              <a:buNone/>
+              <a:defRPr sz="1600" b="1"/>
+            </a:lvl5pPr>
+            <a:lvl6pPr marL="2286000" indent="0">
+              <a:buNone/>
+              <a:defRPr sz="1600" b="1"/>
+            </a:lvl6pPr>
+            <a:lvl7pPr marL="2743200" indent="0">
+              <a:buNone/>
+              <a:defRPr sz="1600" b="1"/>
+            </a:lvl7pPr>
+            <a:lvl8pPr marL="3200400" indent="0">
+              <a:buNone/>
+              <a:defRPr sz="1600" b="1"/>
+            </a:lvl8pPr>
+            <a:lvl9pPr marL="3657600" indent="0">
+              <a:buNone/>
+              <a:defRPr sz="1600" b="1"/>
+            </a:lvl9pPr>
+          </a:lstStyle>
+          <a:p>
+            <a:pPr lvl="0"/>
+            <a:r>
+              <a:rPr lang="fr-FR"/>
+              <a:t>Modifier les styles du texte du masque</a:t>
+            </a:r>
+          </a:p>
+        </p:txBody>
+      </p:sp>
+      <p:sp>
+        <p:nvSpPr>
+          <p:cNvPr id="6" name="Espace réservé du contenu 5">
+            <a:extLst>
+              <a:ext uri="{FF2B5EF4-FFF2-40B4-BE49-F238E27FC236}">
+                <a16:creationId xmlns:a16="http://schemas.microsoft.com/office/drawing/2014/main" id="{92583524-5AB4-462F-9948-34B8D153098B}"/>
+              </a:ext>
+            </a:extLst>
+          </p:cNvPr>
+          <p:cNvSpPr>
+            <a:spLocks noGrp="1"/>
+          </p:cNvSpPr>
+          <p:nvPr>
+            <p:ph sz="quarter" idx="4"/>
+          </p:nvPr>
+        </p:nvSpPr>
+        <p:spPr>
+          <a:xfrm>
+            <a:off x="6172200" y="2505075"/>
+            <a:ext cx="5183188" cy="3684588"/>
+          </a:xfrm>
+        </p:spPr>
+        <p:txBody>
+          <a:bodyPr/>
+          <a:lstStyle/>
+          <a:p>
+            <a:pPr lvl="0"/>
+            <a:r>
+              <a:rPr lang="fr-FR"/>
+              <a:t>Modifier les styles du texte du masque</a:t>
+            </a:r>
+          </a:p>
+          <a:p>
+            <a:pPr lvl="1"/>
+            <a:r>
+              <a:rPr lang="fr-FR"/>
+              <a:t>Deuxième niveau</a:t>
+            </a:r>
+          </a:p>
+          <a:p>
+            <a:pPr lvl="2"/>
+            <a:r>
+              <a:rPr lang="fr-FR"/>
+              <a:t>Troisième niveau</a:t>
+            </a:r>
+          </a:p>
+          <a:p>
+            <a:pPr lvl="3"/>
+            <a:r>
+              <a:rPr lang="fr-FR"/>
+              <a:t>Quatrième niveau</a:t>
+            </a:r>
+          </a:p>
+          <a:p>
+            <a:pPr lvl="4"/>
+            <a:r>
+              <a:rPr lang="fr-FR"/>
+              <a:t>Cinquième niveau</a:t>
+            </a:r>
+          </a:p>
+        </p:txBody>
+      </p:sp>
+      <p:sp>
+        <p:nvSpPr>
+          <p:cNvPr id="7" name="Espace réservé de la date 6">
+            <a:extLst>
+              <a:ext uri="{FF2B5EF4-FFF2-40B4-BE49-F238E27FC236}">
+                <a16:creationId xmlns:a16="http://schemas.microsoft.com/office/drawing/2014/main" id="{BF7F3DEE-17E6-4ADD-A376-C7A6449807EA}"/>
+              </a:ext>
+            </a:extLst>
+          </p:cNvPr>
+          <p:cNvSpPr>
+            <a:spLocks noGrp="1"/>
+          </p:cNvSpPr>
+          <p:nvPr>
+            <p:ph type="dt" sz="half" idx="10"/>
+          </p:nvPr>
+        </p:nvSpPr>
+        <p:spPr/>
+        <p:txBody>
+          <a:bodyPr/>
+          <a:lstStyle/>
+          <a:p>
+            <a:fld id="{612FF8F0-DE16-4E3D-846B-B895487F9DC8}" type="datetimeFigureOut">
+              <a:rPr lang="fr-FR" smtClean="0"/>
+              <a:t>09/01/2018</a:t>
+            </a:fld>
+            <a:endParaRPr lang="fr-FR"/>
+          </a:p>
+        </p:txBody>
+      </p:sp>
+      <p:sp>
+        <p:nvSpPr>
+          <p:cNvPr id="8" name="Espace réservé du pied de page 7">
+            <a:extLst>
+              <a:ext uri="{FF2B5EF4-FFF2-40B4-BE49-F238E27FC236}">
+                <a16:creationId xmlns:a16="http://schemas.microsoft.com/office/drawing/2014/main" id="{7CABB24B-BC9F-4D2A-9DF0-91251E8F98F2}"/>
+              </a:ext>
+            </a:extLst>
+          </p:cNvPr>
+          <p:cNvSpPr>
+            <a:spLocks noGrp="1"/>
+          </p:cNvSpPr>
+          <p:nvPr>
+            <p:ph type="ftr" sz="quarter" idx="11"/>
+          </p:nvPr>
+        </p:nvSpPr>
+        <p:spPr/>
+        <p:txBody>
+          <a:bodyPr/>
+          <a:lstStyle/>
+          <a:p>
+            <a:endParaRPr lang="fr-FR"/>
+          </a:p>
+        </p:txBody>
+      </p:sp>
+      <p:sp>
+        <p:nvSpPr>
+          <p:cNvPr id="9" name="Espace réservé du numéro de diapositive 8">
+            <a:extLst>
+              <a:ext uri="{FF2B5EF4-FFF2-40B4-BE49-F238E27FC236}">
+                <a16:creationId xmlns:a16="http://schemas.microsoft.com/office/drawing/2014/main" id="{5DCCD33F-FE8D-4C2C-8387-E56BD96345BD}"/>
+              </a:ext>
+            </a:extLst>
+          </p:cNvPr>
+          <p:cNvSpPr>
+            <a:spLocks noGrp="1"/>
+          </p:cNvSpPr>
+          <p:nvPr>
+            <p:ph type="sldNum" sz="quarter" idx="12"/>
+          </p:nvPr>
+        </p:nvSpPr>
+        <p:spPr/>
+        <p:txBody>
+          <a:bodyPr/>
+          <a:lstStyle/>
+          <a:p>
+            <a:fld id="{BC1E17BA-4C52-44E5-A51A-11232852C7FE}" type="slidenum">
+              <a:rPr lang="fr-FR" smtClean="0"/>
+              <a:t>‹N°›</a:t>
+            </a:fld>
+            <a:endParaRPr lang="fr-FR"/>
+          </a:p>
+        </p:txBody>
+      </p:sp>
+    </p:spTree>
+    <p:extLst>
+      <p:ext uri="{BB962C8B-B14F-4D97-AF65-F5344CB8AC3E}">
+        <p14:creationId xmlns:p14="http://schemas.microsoft.com/office/powerpoint/2010/main" val="1286906285"/>
+      </p:ext>
+    </p:extLst>
+  </p:cSld>
+  <p:clrMapOvr>
+    <a:masterClrMapping/>
+  </p:clrMapOvr>
+</p:sldLayout>
+</file>
+
+<file path=ppt/slideLayouts/slideLayout23.xml><?xml version="1.0" encoding="utf-8"?>
+<p:sldLayout xmlns:a="http://schemas.openxmlformats.org/drawingml/2006/main" xmlns:r="http://schemas.openxmlformats.org/officeDocument/2006/relationships" xmlns:p="http://schemas.openxmlformats.org/presentationml/2006/main" type="titleOnly" preserve="1">
+  <p:cSld name="Titre seul">
+    <p:spTree>
+      <p:nvGrpSpPr>
+        <p:cNvPr id="1" name=""/>
+        <p:cNvGrpSpPr/>
+        <p:nvPr/>
+      </p:nvGrpSpPr>
+      <p:grpSpPr>
+        <a:xfrm>
+          <a:off x="0" y="0"/>
+          <a:ext cx="0" cy="0"/>
+          <a:chOff x="0" y="0"/>
+          <a:chExt cx="0" cy="0"/>
+        </a:xfrm>
+      </p:grpSpPr>
+      <p:sp>
+        <p:nvSpPr>
+          <p:cNvPr id="2" name="Titre 1">
+            <a:extLst>
+              <a:ext uri="{FF2B5EF4-FFF2-40B4-BE49-F238E27FC236}">
+                <a16:creationId xmlns:a16="http://schemas.microsoft.com/office/drawing/2014/main" id="{2CE97F6F-B160-46F2-A3D0-A1DACC5F6955}"/>
+              </a:ext>
+            </a:extLst>
+          </p:cNvPr>
+          <p:cNvSpPr>
+            <a:spLocks noGrp="1"/>
+          </p:cNvSpPr>
+          <p:nvPr>
+            <p:ph type="title"/>
+          </p:nvPr>
+        </p:nvSpPr>
+        <p:spPr/>
+        <p:txBody>
+          <a:bodyPr/>
+          <a:lstStyle/>
+          <a:p>
+            <a:r>
+              <a:rPr lang="fr-FR"/>
+              <a:t>Modifiez le style du titre</a:t>
+            </a:r>
+          </a:p>
+        </p:txBody>
+      </p:sp>
+      <p:sp>
+        <p:nvSpPr>
+          <p:cNvPr id="3" name="Espace réservé de la date 2">
+            <a:extLst>
+              <a:ext uri="{FF2B5EF4-FFF2-40B4-BE49-F238E27FC236}">
+                <a16:creationId xmlns:a16="http://schemas.microsoft.com/office/drawing/2014/main" id="{5ED9E25B-50D0-46D4-9426-580ED43F3AC2}"/>
+              </a:ext>
+            </a:extLst>
+          </p:cNvPr>
+          <p:cNvSpPr>
+            <a:spLocks noGrp="1"/>
+          </p:cNvSpPr>
+          <p:nvPr>
+            <p:ph type="dt" sz="half" idx="10"/>
+          </p:nvPr>
+        </p:nvSpPr>
+        <p:spPr/>
+        <p:txBody>
+          <a:bodyPr/>
+          <a:lstStyle/>
+          <a:p>
+            <a:fld id="{612FF8F0-DE16-4E3D-846B-B895487F9DC8}" type="datetimeFigureOut">
+              <a:rPr lang="fr-FR" smtClean="0"/>
+              <a:t>09/01/2018</a:t>
+            </a:fld>
+            <a:endParaRPr lang="fr-FR"/>
+          </a:p>
+        </p:txBody>
+      </p:sp>
+      <p:sp>
+        <p:nvSpPr>
+          <p:cNvPr id="4" name="Espace réservé du pied de page 3">
+            <a:extLst>
+              <a:ext uri="{FF2B5EF4-FFF2-40B4-BE49-F238E27FC236}">
+                <a16:creationId xmlns:a16="http://schemas.microsoft.com/office/drawing/2014/main" id="{35689DF4-2AD3-476E-BC7B-E8E9E5398325}"/>
+              </a:ext>
+            </a:extLst>
+          </p:cNvPr>
+          <p:cNvSpPr>
+            <a:spLocks noGrp="1"/>
+          </p:cNvSpPr>
+          <p:nvPr>
+            <p:ph type="ftr" sz="quarter" idx="11"/>
+          </p:nvPr>
+        </p:nvSpPr>
+        <p:spPr/>
+        <p:txBody>
+          <a:bodyPr/>
+          <a:lstStyle/>
+          <a:p>
+            <a:endParaRPr lang="fr-FR"/>
+          </a:p>
+        </p:txBody>
+      </p:sp>
+      <p:sp>
+        <p:nvSpPr>
+          <p:cNvPr id="5" name="Espace réservé du numéro de diapositive 4">
+            <a:extLst>
+              <a:ext uri="{FF2B5EF4-FFF2-40B4-BE49-F238E27FC236}">
+                <a16:creationId xmlns:a16="http://schemas.microsoft.com/office/drawing/2014/main" id="{74923484-E66C-45A4-834A-CC3A68F30615}"/>
+              </a:ext>
+            </a:extLst>
+          </p:cNvPr>
+          <p:cNvSpPr>
+            <a:spLocks noGrp="1"/>
+          </p:cNvSpPr>
+          <p:nvPr>
+            <p:ph type="sldNum" sz="quarter" idx="12"/>
+          </p:nvPr>
+        </p:nvSpPr>
+        <p:spPr/>
+        <p:txBody>
+          <a:bodyPr/>
+          <a:lstStyle/>
+          <a:p>
+            <a:fld id="{BC1E17BA-4C52-44E5-A51A-11232852C7FE}" type="slidenum">
+              <a:rPr lang="fr-FR" smtClean="0"/>
+              <a:t>‹N°›</a:t>
+            </a:fld>
+            <a:endParaRPr lang="fr-FR"/>
+          </a:p>
+        </p:txBody>
+      </p:sp>
+    </p:spTree>
+    <p:extLst>
+      <p:ext uri="{BB962C8B-B14F-4D97-AF65-F5344CB8AC3E}">
+        <p14:creationId xmlns:p14="http://schemas.microsoft.com/office/powerpoint/2010/main" val="526842080"/>
+      </p:ext>
+    </p:extLst>
+  </p:cSld>
+  <p:clrMapOvr>
+    <a:masterClrMapping/>
+  </p:clrMapOvr>
+</p:sldLayout>
+</file>
+
+<file path=ppt/slideLayouts/slideLayout24.xml><?xml version="1.0" encoding="utf-8"?>
+<p:sldLayout xmlns:a="http://schemas.openxmlformats.org/drawingml/2006/main" xmlns:r="http://schemas.openxmlformats.org/officeDocument/2006/relationships" xmlns:p="http://schemas.openxmlformats.org/presentationml/2006/main" type="blank" preserve="1">
+  <p:cSld name="Vide">
+    <p:spTree>
+      <p:nvGrpSpPr>
+        <p:cNvPr id="1" name=""/>
+        <p:cNvGrpSpPr/>
+        <p:nvPr/>
+      </p:nvGrpSpPr>
+      <p:grpSpPr>
+        <a:xfrm>
+          <a:off x="0" y="0"/>
+          <a:ext cx="0" cy="0"/>
+          <a:chOff x="0" y="0"/>
+          <a:chExt cx="0" cy="0"/>
+        </a:xfrm>
+      </p:grpSpPr>
+      <p:sp>
+        <p:nvSpPr>
+          <p:cNvPr id="2" name="Espace réservé de la date 1">
+            <a:extLst>
+              <a:ext uri="{FF2B5EF4-FFF2-40B4-BE49-F238E27FC236}">
+                <a16:creationId xmlns:a16="http://schemas.microsoft.com/office/drawing/2014/main" id="{2220A367-91AD-495C-8617-56E52FC65302}"/>
+              </a:ext>
+            </a:extLst>
+          </p:cNvPr>
+          <p:cNvSpPr>
+            <a:spLocks noGrp="1"/>
+          </p:cNvSpPr>
+          <p:nvPr>
+            <p:ph type="dt" sz="half" idx="10"/>
+          </p:nvPr>
+        </p:nvSpPr>
+        <p:spPr/>
+        <p:txBody>
+          <a:bodyPr/>
+          <a:lstStyle/>
+          <a:p>
+            <a:fld id="{612FF8F0-DE16-4E3D-846B-B895487F9DC8}" type="datetimeFigureOut">
+              <a:rPr lang="fr-FR" smtClean="0"/>
+              <a:t>09/01/2018</a:t>
+            </a:fld>
+            <a:endParaRPr lang="fr-FR"/>
+          </a:p>
+        </p:txBody>
+      </p:sp>
+      <p:sp>
+        <p:nvSpPr>
+          <p:cNvPr id="3" name="Espace réservé du pied de page 2">
+            <a:extLst>
+              <a:ext uri="{FF2B5EF4-FFF2-40B4-BE49-F238E27FC236}">
+                <a16:creationId xmlns:a16="http://schemas.microsoft.com/office/drawing/2014/main" id="{F3B243DD-4E54-46CC-B445-00C0BA76B846}"/>
+              </a:ext>
+            </a:extLst>
+          </p:cNvPr>
+          <p:cNvSpPr>
+            <a:spLocks noGrp="1"/>
+          </p:cNvSpPr>
+          <p:nvPr>
+            <p:ph type="ftr" sz="quarter" idx="11"/>
+          </p:nvPr>
+        </p:nvSpPr>
+        <p:spPr/>
+        <p:txBody>
+          <a:bodyPr/>
+          <a:lstStyle/>
+          <a:p>
+            <a:endParaRPr lang="fr-FR"/>
+          </a:p>
+        </p:txBody>
+      </p:sp>
+      <p:sp>
+        <p:nvSpPr>
+          <p:cNvPr id="4" name="Espace réservé du numéro de diapositive 3">
+            <a:extLst>
+              <a:ext uri="{FF2B5EF4-FFF2-40B4-BE49-F238E27FC236}">
+                <a16:creationId xmlns:a16="http://schemas.microsoft.com/office/drawing/2014/main" id="{F024D424-EDB6-4AA0-A450-4783755B8040}"/>
+              </a:ext>
+            </a:extLst>
+          </p:cNvPr>
+          <p:cNvSpPr>
+            <a:spLocks noGrp="1"/>
+          </p:cNvSpPr>
+          <p:nvPr>
+            <p:ph type="sldNum" sz="quarter" idx="12"/>
+          </p:nvPr>
+        </p:nvSpPr>
+        <p:spPr/>
+        <p:txBody>
+          <a:bodyPr/>
+          <a:lstStyle/>
+          <a:p>
+            <a:fld id="{BC1E17BA-4C52-44E5-A51A-11232852C7FE}" type="slidenum">
+              <a:rPr lang="fr-FR" smtClean="0"/>
+              <a:t>‹N°›</a:t>
+            </a:fld>
+            <a:endParaRPr lang="fr-FR"/>
+          </a:p>
+        </p:txBody>
+      </p:sp>
+    </p:spTree>
+    <p:extLst>
+      <p:ext uri="{BB962C8B-B14F-4D97-AF65-F5344CB8AC3E}">
+        <p14:creationId xmlns:p14="http://schemas.microsoft.com/office/powerpoint/2010/main" val="1834195047"/>
+      </p:ext>
+    </p:extLst>
+  </p:cSld>
+  <p:clrMapOvr>
+    <a:masterClrMapping/>
+  </p:clrMapOvr>
+</p:sldLayout>
+</file>
+
+<file path=ppt/slideLayouts/slideLayout25.xml><?xml version="1.0" encoding="utf-8"?>
+<p:sldLayout xmlns:a="http://schemas.openxmlformats.org/drawingml/2006/main" xmlns:r="http://schemas.openxmlformats.org/officeDocument/2006/relationships" xmlns:p="http://schemas.openxmlformats.org/presentationml/2006/main" type="objTx" preserve="1">
+  <p:cSld name="Contenu avec légende">
+    <p:spTree>
+      <p:nvGrpSpPr>
+        <p:cNvPr id="1" name=""/>
+        <p:cNvGrpSpPr/>
+        <p:nvPr/>
+      </p:nvGrpSpPr>
+      <p:grpSpPr>
+        <a:xfrm>
+          <a:off x="0" y="0"/>
+          <a:ext cx="0" cy="0"/>
+          <a:chOff x="0" y="0"/>
+          <a:chExt cx="0" cy="0"/>
+        </a:xfrm>
+      </p:grpSpPr>
+      <p:sp>
+        <p:nvSpPr>
+          <p:cNvPr id="2" name="Titre 1">
+            <a:extLst>
+              <a:ext uri="{FF2B5EF4-FFF2-40B4-BE49-F238E27FC236}">
+                <a16:creationId xmlns:a16="http://schemas.microsoft.com/office/drawing/2014/main" id="{EE27AA41-FE2E-4DC8-BC47-6EA821FFB06A}"/>
+              </a:ext>
+            </a:extLst>
+          </p:cNvPr>
+          <p:cNvSpPr>
+            <a:spLocks noGrp="1"/>
+          </p:cNvSpPr>
+          <p:nvPr>
+            <p:ph type="title"/>
+          </p:nvPr>
+        </p:nvSpPr>
+        <p:spPr>
+          <a:xfrm>
+            <a:off x="839788" y="457200"/>
+            <a:ext cx="3932237" cy="1600200"/>
+          </a:xfrm>
+        </p:spPr>
+        <p:txBody>
+          <a:bodyPr anchor="b"/>
+          <a:lstStyle>
+            <a:lvl1pPr>
+              <a:defRPr sz="3200"/>
+            </a:lvl1pPr>
+          </a:lstStyle>
+          <a:p>
+            <a:r>
+              <a:rPr lang="fr-FR"/>
+              <a:t>Modifiez le style du titre</a:t>
+            </a:r>
+          </a:p>
+        </p:txBody>
+      </p:sp>
+      <p:sp>
+        <p:nvSpPr>
+          <p:cNvPr id="3" name="Espace réservé du contenu 2">
+            <a:extLst>
+              <a:ext uri="{FF2B5EF4-FFF2-40B4-BE49-F238E27FC236}">
+                <a16:creationId xmlns:a16="http://schemas.microsoft.com/office/drawing/2014/main" id="{B934C7DE-F7E9-4B34-83F5-80273B034005}"/>
+              </a:ext>
+            </a:extLst>
+          </p:cNvPr>
+          <p:cNvSpPr>
+            <a:spLocks noGrp="1"/>
+          </p:cNvSpPr>
+          <p:nvPr>
+            <p:ph idx="1"/>
+          </p:nvPr>
+        </p:nvSpPr>
+        <p:spPr>
+          <a:xfrm>
+            <a:off x="5183188" y="987425"/>
+            <a:ext cx="6172200" cy="4873625"/>
+          </a:xfrm>
+        </p:spPr>
+        <p:txBody>
+          <a:bodyPr/>
+          <a:lstStyle>
+            <a:lvl1pPr>
+              <a:defRPr sz="3200"/>
+            </a:lvl1pPr>
+            <a:lvl2pPr>
+              <a:defRPr sz="2800"/>
+            </a:lvl2pPr>
+            <a:lvl3pPr>
+              <a:defRPr sz="2400"/>
+            </a:lvl3pPr>
+            <a:lvl4pPr>
+              <a:defRPr sz="2000"/>
+            </a:lvl4pPr>
+            <a:lvl5pPr>
+              <a:defRPr sz="2000"/>
+            </a:lvl5pPr>
+            <a:lvl6pPr>
+              <a:defRPr sz="2000"/>
+            </a:lvl6pPr>
+            <a:lvl7pPr>
+              <a:defRPr sz="2000"/>
+            </a:lvl7pPr>
+            <a:lvl8pPr>
+              <a:defRPr sz="2000"/>
+            </a:lvl8pPr>
+            <a:lvl9pPr>
+              <a:defRPr sz="2000"/>
+            </a:lvl9pPr>
+          </a:lstStyle>
+          <a:p>
+            <a:pPr lvl="0"/>
+            <a:r>
+              <a:rPr lang="fr-FR"/>
+              <a:t>Modifier les styles du texte du masque</a:t>
+            </a:r>
+          </a:p>
+          <a:p>
+            <a:pPr lvl="1"/>
+            <a:r>
+              <a:rPr lang="fr-FR"/>
+              <a:t>Deuxième niveau</a:t>
+            </a:r>
+          </a:p>
+          <a:p>
+            <a:pPr lvl="2"/>
+            <a:r>
+              <a:rPr lang="fr-FR"/>
+              <a:t>Troisième niveau</a:t>
+            </a:r>
+          </a:p>
+          <a:p>
+            <a:pPr lvl="3"/>
+            <a:r>
+              <a:rPr lang="fr-FR"/>
+              <a:t>Quatrième niveau</a:t>
+            </a:r>
+          </a:p>
+          <a:p>
+            <a:pPr lvl="4"/>
+            <a:r>
+              <a:rPr lang="fr-FR"/>
+              <a:t>Cinquième niveau</a:t>
+            </a:r>
+          </a:p>
+        </p:txBody>
+      </p:sp>
+      <p:sp>
+        <p:nvSpPr>
+          <p:cNvPr id="4" name="Espace réservé du texte 3">
+            <a:extLst>
+              <a:ext uri="{FF2B5EF4-FFF2-40B4-BE49-F238E27FC236}">
+                <a16:creationId xmlns:a16="http://schemas.microsoft.com/office/drawing/2014/main" id="{0154A77D-7E45-4E91-8776-8BDC6D309776}"/>
+              </a:ext>
+            </a:extLst>
+          </p:cNvPr>
+          <p:cNvSpPr>
+            <a:spLocks noGrp="1"/>
+          </p:cNvSpPr>
+          <p:nvPr>
+            <p:ph type="body" sz="half" idx="2"/>
+          </p:nvPr>
+        </p:nvSpPr>
+        <p:spPr>
+          <a:xfrm>
+            <a:off x="839788" y="2057400"/>
+            <a:ext cx="3932237" cy="3811588"/>
+          </a:xfrm>
+        </p:spPr>
+        <p:txBody>
+          <a:bodyPr/>
+          <a:lstStyle>
+            <a:lvl1pPr marL="0" indent="0">
+              <a:buNone/>
+              <a:defRPr sz="1600"/>
+            </a:lvl1pPr>
+            <a:lvl2pPr marL="457200" indent="0">
+              <a:buNone/>
+              <a:defRPr sz="1400"/>
+            </a:lvl2pPr>
+            <a:lvl3pPr marL="914400" indent="0">
+              <a:buNone/>
+              <a:defRPr sz="1200"/>
+            </a:lvl3pPr>
+            <a:lvl4pPr marL="1371600" indent="0">
+              <a:buNone/>
+              <a:defRPr sz="1000"/>
+            </a:lvl4pPr>
+            <a:lvl5pPr marL="1828800" indent="0">
+              <a:buNone/>
+              <a:defRPr sz="1000"/>
+            </a:lvl5pPr>
+            <a:lvl6pPr marL="2286000" indent="0">
+              <a:buNone/>
+              <a:defRPr sz="1000"/>
+            </a:lvl6pPr>
+            <a:lvl7pPr marL="2743200" indent="0">
+              <a:buNone/>
+              <a:defRPr sz="1000"/>
+            </a:lvl7pPr>
+            <a:lvl8pPr marL="3200400" indent="0">
+              <a:buNone/>
+              <a:defRPr sz="1000"/>
+            </a:lvl8pPr>
+            <a:lvl9pPr marL="3657600" indent="0">
+              <a:buNone/>
+              <a:defRPr sz="1000"/>
+            </a:lvl9pPr>
+          </a:lstStyle>
+          <a:p>
+            <a:pPr lvl="0"/>
+            <a:r>
+              <a:rPr lang="fr-FR"/>
+              <a:t>Modifier les styles du texte du masque</a:t>
+            </a:r>
+          </a:p>
+        </p:txBody>
+      </p:sp>
+      <p:sp>
+        <p:nvSpPr>
+          <p:cNvPr id="5" name="Espace réservé de la date 4">
+            <a:extLst>
+              <a:ext uri="{FF2B5EF4-FFF2-40B4-BE49-F238E27FC236}">
+                <a16:creationId xmlns:a16="http://schemas.microsoft.com/office/drawing/2014/main" id="{96A11050-92DC-42FA-84A6-E99925CAC93A}"/>
+              </a:ext>
+            </a:extLst>
+          </p:cNvPr>
+          <p:cNvSpPr>
+            <a:spLocks noGrp="1"/>
+          </p:cNvSpPr>
+          <p:nvPr>
+            <p:ph type="dt" sz="half" idx="10"/>
+          </p:nvPr>
+        </p:nvSpPr>
+        <p:spPr/>
+        <p:txBody>
+          <a:bodyPr/>
+          <a:lstStyle/>
+          <a:p>
+            <a:fld id="{612FF8F0-DE16-4E3D-846B-B895487F9DC8}" type="datetimeFigureOut">
+              <a:rPr lang="fr-FR" smtClean="0"/>
+              <a:t>09/01/2018</a:t>
+            </a:fld>
+            <a:endParaRPr lang="fr-FR"/>
+          </a:p>
+        </p:txBody>
+      </p:sp>
+      <p:sp>
+        <p:nvSpPr>
+          <p:cNvPr id="6" name="Espace réservé du pied de page 5">
+            <a:extLst>
+              <a:ext uri="{FF2B5EF4-FFF2-40B4-BE49-F238E27FC236}">
+                <a16:creationId xmlns:a16="http://schemas.microsoft.com/office/drawing/2014/main" id="{1DF23F15-FA21-421A-AAA4-DDCFB4BCEB08}"/>
+              </a:ext>
+            </a:extLst>
+          </p:cNvPr>
+          <p:cNvSpPr>
+            <a:spLocks noGrp="1"/>
+          </p:cNvSpPr>
+          <p:nvPr>
+            <p:ph type="ftr" sz="quarter" idx="11"/>
+          </p:nvPr>
+        </p:nvSpPr>
+        <p:spPr/>
+        <p:txBody>
+          <a:bodyPr/>
+          <a:lstStyle/>
+          <a:p>
+            <a:endParaRPr lang="fr-FR"/>
+          </a:p>
+        </p:txBody>
+      </p:sp>
+      <p:sp>
+        <p:nvSpPr>
+          <p:cNvPr id="7" name="Espace réservé du numéro de diapositive 6">
+            <a:extLst>
+              <a:ext uri="{FF2B5EF4-FFF2-40B4-BE49-F238E27FC236}">
+                <a16:creationId xmlns:a16="http://schemas.microsoft.com/office/drawing/2014/main" id="{03918FFB-2451-4D7A-96CE-D4A35B81CC91}"/>
+              </a:ext>
+            </a:extLst>
+          </p:cNvPr>
+          <p:cNvSpPr>
+            <a:spLocks noGrp="1"/>
+          </p:cNvSpPr>
+          <p:nvPr>
+            <p:ph type="sldNum" sz="quarter" idx="12"/>
+          </p:nvPr>
+        </p:nvSpPr>
+        <p:spPr/>
+        <p:txBody>
+          <a:bodyPr/>
+          <a:lstStyle/>
+          <a:p>
+            <a:fld id="{BC1E17BA-4C52-44E5-A51A-11232852C7FE}" type="slidenum">
+              <a:rPr lang="fr-FR" smtClean="0"/>
+              <a:t>‹N°›</a:t>
+            </a:fld>
+            <a:endParaRPr lang="fr-FR"/>
+          </a:p>
+        </p:txBody>
+      </p:sp>
+    </p:spTree>
+    <p:extLst>
+      <p:ext uri="{BB962C8B-B14F-4D97-AF65-F5344CB8AC3E}">
+        <p14:creationId xmlns:p14="http://schemas.microsoft.com/office/powerpoint/2010/main" val="4007412709"/>
+      </p:ext>
+    </p:extLst>
+  </p:cSld>
+  <p:clrMapOvr>
+    <a:masterClrMapping/>
+  </p:clrMapOvr>
+</p:sldLayout>
+</file>
+
+<file path=ppt/slideLayouts/slideLayout26.xml><?xml version="1.0" encoding="utf-8"?>
+<p:sldLayout xmlns:a="http://schemas.openxmlformats.org/drawingml/2006/main" xmlns:r="http://schemas.openxmlformats.org/officeDocument/2006/relationships" xmlns:p="http://schemas.openxmlformats.org/presentationml/2006/main" type="picTx" preserve="1">
+  <p:cSld name="Image avec légende">
+    <p:spTree>
+      <p:nvGrpSpPr>
+        <p:cNvPr id="1" name=""/>
+        <p:cNvGrpSpPr/>
+        <p:nvPr/>
+      </p:nvGrpSpPr>
+      <p:grpSpPr>
+        <a:xfrm>
+          <a:off x="0" y="0"/>
+          <a:ext cx="0" cy="0"/>
+          <a:chOff x="0" y="0"/>
+          <a:chExt cx="0" cy="0"/>
+        </a:xfrm>
+      </p:grpSpPr>
+      <p:sp>
+        <p:nvSpPr>
+          <p:cNvPr id="2" name="Titre 1">
+            <a:extLst>
+              <a:ext uri="{FF2B5EF4-FFF2-40B4-BE49-F238E27FC236}">
+                <a16:creationId xmlns:a16="http://schemas.microsoft.com/office/drawing/2014/main" id="{8A926B76-B254-41F3-86D3-4FA26019D108}"/>
+              </a:ext>
+            </a:extLst>
+          </p:cNvPr>
+          <p:cNvSpPr>
+            <a:spLocks noGrp="1"/>
+          </p:cNvSpPr>
+          <p:nvPr>
+            <p:ph type="title"/>
+          </p:nvPr>
+        </p:nvSpPr>
+        <p:spPr>
+          <a:xfrm>
+            <a:off x="839788" y="457200"/>
+            <a:ext cx="3932237" cy="1600200"/>
+          </a:xfrm>
+        </p:spPr>
+        <p:txBody>
+          <a:bodyPr anchor="b"/>
+          <a:lstStyle>
+            <a:lvl1pPr>
+              <a:defRPr sz="3200"/>
+            </a:lvl1pPr>
+          </a:lstStyle>
+          <a:p>
+            <a:r>
+              <a:rPr lang="fr-FR"/>
+              <a:t>Modifiez le style du titre</a:t>
+            </a:r>
+          </a:p>
+        </p:txBody>
+      </p:sp>
+      <p:sp>
+        <p:nvSpPr>
+          <p:cNvPr id="3" name="Espace réservé pour une image  2">
+            <a:extLst>
+              <a:ext uri="{FF2B5EF4-FFF2-40B4-BE49-F238E27FC236}">
+                <a16:creationId xmlns:a16="http://schemas.microsoft.com/office/drawing/2014/main" id="{0DAE1900-258C-4D65-BB92-F30372E8A024}"/>
+              </a:ext>
+            </a:extLst>
+          </p:cNvPr>
+          <p:cNvSpPr>
+            <a:spLocks noGrp="1"/>
+          </p:cNvSpPr>
+          <p:nvPr>
+            <p:ph type="pic" idx="1"/>
+          </p:nvPr>
+        </p:nvSpPr>
+        <p:spPr>
+          <a:xfrm>
+            <a:off x="5183188" y="987425"/>
+            <a:ext cx="6172200" cy="4873625"/>
+          </a:xfrm>
+        </p:spPr>
+        <p:txBody>
+          <a:bodyPr/>
+          <a:lstStyle>
+            <a:lvl1pPr marL="0" indent="0">
+              <a:buNone/>
+              <a:defRPr sz="3200"/>
+            </a:lvl1pPr>
+            <a:lvl2pPr marL="457200" indent="0">
+              <a:buNone/>
+              <a:defRPr sz="2800"/>
+            </a:lvl2pPr>
+            <a:lvl3pPr marL="914400" indent="0">
+              <a:buNone/>
+              <a:defRPr sz="2400"/>
+            </a:lvl3pPr>
+            <a:lvl4pPr marL="1371600" indent="0">
+              <a:buNone/>
+              <a:defRPr sz="2000"/>
+            </a:lvl4pPr>
+            <a:lvl5pPr marL="1828800" indent="0">
+              <a:buNone/>
+              <a:defRPr sz="2000"/>
+            </a:lvl5pPr>
+            <a:lvl6pPr marL="2286000" indent="0">
+              <a:buNone/>
+              <a:defRPr sz="2000"/>
+            </a:lvl6pPr>
+            <a:lvl7pPr marL="2743200" indent="0">
+              <a:buNone/>
+              <a:defRPr sz="2000"/>
+            </a:lvl7pPr>
+            <a:lvl8pPr marL="3200400" indent="0">
+              <a:buNone/>
+              <a:defRPr sz="2000"/>
+            </a:lvl8pPr>
+            <a:lvl9pPr marL="3657600" indent="0">
+              <a:buNone/>
+              <a:defRPr sz="2000"/>
+            </a:lvl9pPr>
+          </a:lstStyle>
+          <a:p>
+            <a:endParaRPr lang="fr-FR"/>
+          </a:p>
+        </p:txBody>
+      </p:sp>
+      <p:sp>
+        <p:nvSpPr>
+          <p:cNvPr id="4" name="Espace réservé du texte 3">
+            <a:extLst>
+              <a:ext uri="{FF2B5EF4-FFF2-40B4-BE49-F238E27FC236}">
+                <a16:creationId xmlns:a16="http://schemas.microsoft.com/office/drawing/2014/main" id="{E7A7D3B3-3284-4857-AC00-DDC021C00AA6}"/>
+              </a:ext>
+            </a:extLst>
+          </p:cNvPr>
+          <p:cNvSpPr>
+            <a:spLocks noGrp="1"/>
+          </p:cNvSpPr>
+          <p:nvPr>
+            <p:ph type="body" sz="half" idx="2"/>
+          </p:nvPr>
+        </p:nvSpPr>
+        <p:spPr>
+          <a:xfrm>
+            <a:off x="839788" y="2057400"/>
+            <a:ext cx="3932237" cy="3811588"/>
+          </a:xfrm>
+        </p:spPr>
+        <p:txBody>
+          <a:bodyPr/>
+          <a:lstStyle>
+            <a:lvl1pPr marL="0" indent="0">
+              <a:buNone/>
+              <a:defRPr sz="1600"/>
+            </a:lvl1pPr>
+            <a:lvl2pPr marL="457200" indent="0">
+              <a:buNone/>
+              <a:defRPr sz="1400"/>
+            </a:lvl2pPr>
+            <a:lvl3pPr marL="914400" indent="0">
+              <a:buNone/>
+              <a:defRPr sz="1200"/>
+            </a:lvl3pPr>
+            <a:lvl4pPr marL="1371600" indent="0">
+              <a:buNone/>
+              <a:defRPr sz="1000"/>
+            </a:lvl4pPr>
+            <a:lvl5pPr marL="1828800" indent="0">
+              <a:buNone/>
+              <a:defRPr sz="1000"/>
+            </a:lvl5pPr>
+            <a:lvl6pPr marL="2286000" indent="0">
+              <a:buNone/>
+              <a:defRPr sz="1000"/>
+            </a:lvl6pPr>
+            <a:lvl7pPr marL="2743200" indent="0">
+              <a:buNone/>
+              <a:defRPr sz="1000"/>
+            </a:lvl7pPr>
+            <a:lvl8pPr marL="3200400" indent="0">
+              <a:buNone/>
+              <a:defRPr sz="1000"/>
+            </a:lvl8pPr>
+            <a:lvl9pPr marL="3657600" indent="0">
+              <a:buNone/>
+              <a:defRPr sz="1000"/>
+            </a:lvl9pPr>
+          </a:lstStyle>
+          <a:p>
+            <a:pPr lvl="0"/>
+            <a:r>
+              <a:rPr lang="fr-FR"/>
+              <a:t>Modifier les styles du texte du masque</a:t>
+            </a:r>
+          </a:p>
+        </p:txBody>
+      </p:sp>
+      <p:sp>
+        <p:nvSpPr>
+          <p:cNvPr id="5" name="Espace réservé de la date 4">
+            <a:extLst>
+              <a:ext uri="{FF2B5EF4-FFF2-40B4-BE49-F238E27FC236}">
+                <a16:creationId xmlns:a16="http://schemas.microsoft.com/office/drawing/2014/main" id="{DF7D534E-04BC-479C-AA83-48B802FC165A}"/>
+              </a:ext>
+            </a:extLst>
+          </p:cNvPr>
+          <p:cNvSpPr>
+            <a:spLocks noGrp="1"/>
+          </p:cNvSpPr>
+          <p:nvPr>
+            <p:ph type="dt" sz="half" idx="10"/>
+          </p:nvPr>
+        </p:nvSpPr>
+        <p:spPr/>
+        <p:txBody>
+          <a:bodyPr/>
+          <a:lstStyle/>
+          <a:p>
+            <a:fld id="{612FF8F0-DE16-4E3D-846B-B895487F9DC8}" type="datetimeFigureOut">
+              <a:rPr lang="fr-FR" smtClean="0"/>
+              <a:t>09/01/2018</a:t>
+            </a:fld>
+            <a:endParaRPr lang="fr-FR"/>
+          </a:p>
+        </p:txBody>
+      </p:sp>
+      <p:sp>
+        <p:nvSpPr>
+          <p:cNvPr id="6" name="Espace réservé du pied de page 5">
+            <a:extLst>
+              <a:ext uri="{FF2B5EF4-FFF2-40B4-BE49-F238E27FC236}">
+                <a16:creationId xmlns:a16="http://schemas.microsoft.com/office/drawing/2014/main" id="{9BE259B1-BDE7-4313-A7AE-7BF7C34C81ED}"/>
+              </a:ext>
+            </a:extLst>
+          </p:cNvPr>
+          <p:cNvSpPr>
+            <a:spLocks noGrp="1"/>
+          </p:cNvSpPr>
+          <p:nvPr>
+            <p:ph type="ftr" sz="quarter" idx="11"/>
+          </p:nvPr>
+        </p:nvSpPr>
+        <p:spPr/>
+        <p:txBody>
+          <a:bodyPr/>
+          <a:lstStyle/>
+          <a:p>
+            <a:endParaRPr lang="fr-FR"/>
+          </a:p>
+        </p:txBody>
+      </p:sp>
+      <p:sp>
+        <p:nvSpPr>
+          <p:cNvPr id="7" name="Espace réservé du numéro de diapositive 6">
+            <a:extLst>
+              <a:ext uri="{FF2B5EF4-FFF2-40B4-BE49-F238E27FC236}">
+                <a16:creationId xmlns:a16="http://schemas.microsoft.com/office/drawing/2014/main" id="{92E0278E-98C1-4E14-B2B2-4596E67AC33A}"/>
+              </a:ext>
+            </a:extLst>
+          </p:cNvPr>
+          <p:cNvSpPr>
+            <a:spLocks noGrp="1"/>
+          </p:cNvSpPr>
+          <p:nvPr>
+            <p:ph type="sldNum" sz="quarter" idx="12"/>
+          </p:nvPr>
+        </p:nvSpPr>
+        <p:spPr/>
+        <p:txBody>
+          <a:bodyPr/>
+          <a:lstStyle/>
+          <a:p>
+            <a:fld id="{BC1E17BA-4C52-44E5-A51A-11232852C7FE}" type="slidenum">
+              <a:rPr lang="fr-FR" smtClean="0"/>
+              <a:t>‹N°›</a:t>
+            </a:fld>
+            <a:endParaRPr lang="fr-FR"/>
+          </a:p>
+        </p:txBody>
+      </p:sp>
+    </p:spTree>
+    <p:extLst>
+      <p:ext uri="{BB962C8B-B14F-4D97-AF65-F5344CB8AC3E}">
+        <p14:creationId xmlns:p14="http://schemas.microsoft.com/office/powerpoint/2010/main" val="1253693992"/>
+      </p:ext>
+    </p:extLst>
+  </p:cSld>
+  <p:clrMapOvr>
+    <a:masterClrMapping/>
+  </p:clrMapOvr>
+</p:sldLayout>
+</file>
+
+<file path=ppt/slideLayouts/slideLayout27.xml><?xml version="1.0" encoding="utf-8"?>
+<p:sldLayout xmlns:a="http://schemas.openxmlformats.org/drawingml/2006/main" xmlns:r="http://schemas.openxmlformats.org/officeDocument/2006/relationships" xmlns:p="http://schemas.openxmlformats.org/presentationml/2006/main" type="vertTx" preserve="1">
+  <p:cSld name="Titre et texte vertical">
+    <p:spTree>
+      <p:nvGrpSpPr>
+        <p:cNvPr id="1" name=""/>
+        <p:cNvGrpSpPr/>
+        <p:nvPr/>
+      </p:nvGrpSpPr>
+      <p:grpSpPr>
+        <a:xfrm>
+          <a:off x="0" y="0"/>
+          <a:ext cx="0" cy="0"/>
+          <a:chOff x="0" y="0"/>
+          <a:chExt cx="0" cy="0"/>
+        </a:xfrm>
+      </p:grpSpPr>
+      <p:sp>
+        <p:nvSpPr>
+          <p:cNvPr id="2" name="Titre 1">
+            <a:extLst>
+              <a:ext uri="{FF2B5EF4-FFF2-40B4-BE49-F238E27FC236}">
+                <a16:creationId xmlns:a16="http://schemas.microsoft.com/office/drawing/2014/main" id="{08CFB751-FF17-4F73-A6D5-4F4B8E21438E}"/>
+              </a:ext>
+            </a:extLst>
+          </p:cNvPr>
+          <p:cNvSpPr>
+            <a:spLocks noGrp="1"/>
+          </p:cNvSpPr>
+          <p:nvPr>
+            <p:ph type="title"/>
+          </p:nvPr>
+        </p:nvSpPr>
+        <p:spPr/>
+        <p:txBody>
+          <a:bodyPr/>
+          <a:lstStyle/>
+          <a:p>
+            <a:r>
+              <a:rPr lang="fr-FR"/>
+              <a:t>Modifiez le style du titre</a:t>
+            </a:r>
+          </a:p>
+        </p:txBody>
+      </p:sp>
+      <p:sp>
+        <p:nvSpPr>
+          <p:cNvPr id="3" name="Espace réservé du texte vertical 2">
+            <a:extLst>
+              <a:ext uri="{FF2B5EF4-FFF2-40B4-BE49-F238E27FC236}">
+                <a16:creationId xmlns:a16="http://schemas.microsoft.com/office/drawing/2014/main" id="{9DEFBC5F-0335-4D0D-B893-65A03387D065}"/>
+              </a:ext>
+            </a:extLst>
+          </p:cNvPr>
+          <p:cNvSpPr>
+            <a:spLocks noGrp="1"/>
+          </p:cNvSpPr>
+          <p:nvPr>
+            <p:ph type="body" orient="vert" idx="1"/>
+          </p:nvPr>
+        </p:nvSpPr>
+        <p:spPr/>
+        <p:txBody>
+          <a:bodyPr vert="eaVert"/>
+          <a:lstStyle/>
+          <a:p>
+            <a:pPr lvl="0"/>
+            <a:r>
+              <a:rPr lang="fr-FR"/>
+              <a:t>Modifier les styles du texte du masque</a:t>
+            </a:r>
+          </a:p>
+          <a:p>
+            <a:pPr lvl="1"/>
+            <a:r>
+              <a:rPr lang="fr-FR"/>
+              <a:t>Deuxième niveau</a:t>
+            </a:r>
+          </a:p>
+          <a:p>
+            <a:pPr lvl="2"/>
+            <a:r>
+              <a:rPr lang="fr-FR"/>
+              <a:t>Troisième niveau</a:t>
+            </a:r>
+          </a:p>
+          <a:p>
+            <a:pPr lvl="3"/>
+            <a:r>
+              <a:rPr lang="fr-FR"/>
+              <a:t>Quatrième niveau</a:t>
+            </a:r>
+          </a:p>
+          <a:p>
+            <a:pPr lvl="4"/>
+            <a:r>
+              <a:rPr lang="fr-FR"/>
+              <a:t>Cinquième niveau</a:t>
+            </a:r>
+          </a:p>
+        </p:txBody>
+      </p:sp>
+      <p:sp>
+        <p:nvSpPr>
+          <p:cNvPr id="4" name="Espace réservé de la date 3">
+            <a:extLst>
+              <a:ext uri="{FF2B5EF4-FFF2-40B4-BE49-F238E27FC236}">
+                <a16:creationId xmlns:a16="http://schemas.microsoft.com/office/drawing/2014/main" id="{54B6E5C4-A11F-418A-A920-DD224AF80808}"/>
+              </a:ext>
+            </a:extLst>
+          </p:cNvPr>
+          <p:cNvSpPr>
+            <a:spLocks noGrp="1"/>
+          </p:cNvSpPr>
+          <p:nvPr>
+            <p:ph type="dt" sz="half" idx="10"/>
+          </p:nvPr>
+        </p:nvSpPr>
+        <p:spPr/>
+        <p:txBody>
+          <a:bodyPr/>
+          <a:lstStyle/>
+          <a:p>
+            <a:fld id="{612FF8F0-DE16-4E3D-846B-B895487F9DC8}" type="datetimeFigureOut">
+              <a:rPr lang="fr-FR" smtClean="0"/>
+              <a:t>09/01/2018</a:t>
+            </a:fld>
+            <a:endParaRPr lang="fr-FR"/>
+          </a:p>
+        </p:txBody>
+      </p:sp>
+      <p:sp>
+        <p:nvSpPr>
+          <p:cNvPr id="5" name="Espace réservé du pied de page 4">
+            <a:extLst>
+              <a:ext uri="{FF2B5EF4-FFF2-40B4-BE49-F238E27FC236}">
+                <a16:creationId xmlns:a16="http://schemas.microsoft.com/office/drawing/2014/main" id="{5954A2F1-F5E5-486C-97CF-39CF1222EDC4}"/>
+              </a:ext>
+            </a:extLst>
+          </p:cNvPr>
+          <p:cNvSpPr>
+            <a:spLocks noGrp="1"/>
+          </p:cNvSpPr>
+          <p:nvPr>
+            <p:ph type="ftr" sz="quarter" idx="11"/>
+          </p:nvPr>
+        </p:nvSpPr>
+        <p:spPr/>
+        <p:txBody>
+          <a:bodyPr/>
+          <a:lstStyle/>
+          <a:p>
+            <a:endParaRPr lang="fr-FR"/>
+          </a:p>
+        </p:txBody>
+      </p:sp>
+      <p:sp>
+        <p:nvSpPr>
+          <p:cNvPr id="6" name="Espace réservé du numéro de diapositive 5">
+            <a:extLst>
+              <a:ext uri="{FF2B5EF4-FFF2-40B4-BE49-F238E27FC236}">
+                <a16:creationId xmlns:a16="http://schemas.microsoft.com/office/drawing/2014/main" id="{639DEF39-6859-440A-8D58-480D2BA62766}"/>
+              </a:ext>
+            </a:extLst>
+          </p:cNvPr>
+          <p:cNvSpPr>
+            <a:spLocks noGrp="1"/>
+          </p:cNvSpPr>
+          <p:nvPr>
+            <p:ph type="sldNum" sz="quarter" idx="12"/>
+          </p:nvPr>
+        </p:nvSpPr>
+        <p:spPr/>
+        <p:txBody>
+          <a:bodyPr/>
+          <a:lstStyle/>
+          <a:p>
+            <a:fld id="{BC1E17BA-4C52-44E5-A51A-11232852C7FE}" type="slidenum">
+              <a:rPr lang="fr-FR" smtClean="0"/>
+              <a:t>‹N°›</a:t>
+            </a:fld>
+            <a:endParaRPr lang="fr-FR"/>
+          </a:p>
+        </p:txBody>
+      </p:sp>
+    </p:spTree>
+    <p:extLst>
+      <p:ext uri="{BB962C8B-B14F-4D97-AF65-F5344CB8AC3E}">
+        <p14:creationId xmlns:p14="http://schemas.microsoft.com/office/powerpoint/2010/main" val="698160079"/>
+      </p:ext>
+    </p:extLst>
+  </p:cSld>
+  <p:clrMapOvr>
+    <a:masterClrMapping/>
+  </p:clrMapOvr>
+</p:sldLayout>
+</file>
+
+<file path=ppt/slideLayouts/slideLayout28.xml><?xml version="1.0" encoding="utf-8"?>
+<p:sldLayout xmlns:a="http://schemas.openxmlformats.org/drawingml/2006/main" xmlns:r="http://schemas.openxmlformats.org/officeDocument/2006/relationships" xmlns:p="http://schemas.openxmlformats.org/presentationml/2006/main" type="vertTitleAndTx" preserve="1">
+  <p:cSld name="Titre vertical et texte">
+    <p:spTree>
+      <p:nvGrpSpPr>
+        <p:cNvPr id="1" name=""/>
+        <p:cNvGrpSpPr/>
+        <p:nvPr/>
+      </p:nvGrpSpPr>
+      <p:grpSpPr>
+        <a:xfrm>
+          <a:off x="0" y="0"/>
+          <a:ext cx="0" cy="0"/>
+          <a:chOff x="0" y="0"/>
+          <a:chExt cx="0" cy="0"/>
+        </a:xfrm>
+      </p:grpSpPr>
+      <p:sp>
+        <p:nvSpPr>
+          <p:cNvPr id="2" name="Titre vertical 1">
+            <a:extLst>
+              <a:ext uri="{FF2B5EF4-FFF2-40B4-BE49-F238E27FC236}">
+                <a16:creationId xmlns:a16="http://schemas.microsoft.com/office/drawing/2014/main" id="{AB80720F-835D-48FF-B229-08AC360D8231}"/>
+              </a:ext>
+            </a:extLst>
+          </p:cNvPr>
+          <p:cNvSpPr>
+            <a:spLocks noGrp="1"/>
+          </p:cNvSpPr>
+          <p:nvPr>
+            <p:ph type="title" orient="vert"/>
+          </p:nvPr>
+        </p:nvSpPr>
+        <p:spPr>
+          <a:xfrm>
+            <a:off x="8724900" y="365125"/>
+            <a:ext cx="2628900" cy="5811838"/>
+          </a:xfrm>
+        </p:spPr>
+        <p:txBody>
+          <a:bodyPr vert="eaVert"/>
+          <a:lstStyle/>
+          <a:p>
+            <a:r>
+              <a:rPr lang="fr-FR"/>
+              <a:t>Modifiez le style du titre</a:t>
+            </a:r>
+          </a:p>
+        </p:txBody>
+      </p:sp>
+      <p:sp>
+        <p:nvSpPr>
+          <p:cNvPr id="3" name="Espace réservé du texte vertical 2">
+            <a:extLst>
+              <a:ext uri="{FF2B5EF4-FFF2-40B4-BE49-F238E27FC236}">
+                <a16:creationId xmlns:a16="http://schemas.microsoft.com/office/drawing/2014/main" id="{E30DA29F-9846-4019-9B4A-8C5654DF6D3C}"/>
+              </a:ext>
+            </a:extLst>
+          </p:cNvPr>
+          <p:cNvSpPr>
+            <a:spLocks noGrp="1"/>
+          </p:cNvSpPr>
+          <p:nvPr>
+            <p:ph type="body" orient="vert" idx="1"/>
+          </p:nvPr>
+        </p:nvSpPr>
+        <p:spPr>
+          <a:xfrm>
+            <a:off x="838200" y="365125"/>
+            <a:ext cx="7734300" cy="5811838"/>
+          </a:xfrm>
+        </p:spPr>
+        <p:txBody>
+          <a:bodyPr vert="eaVert"/>
+          <a:lstStyle/>
+          <a:p>
+            <a:pPr lvl="0"/>
+            <a:r>
+              <a:rPr lang="fr-FR"/>
+              <a:t>Modifier les styles du texte du masque</a:t>
+            </a:r>
+          </a:p>
+          <a:p>
+            <a:pPr lvl="1"/>
+            <a:r>
+              <a:rPr lang="fr-FR"/>
+              <a:t>Deuxième niveau</a:t>
+            </a:r>
+          </a:p>
+          <a:p>
+            <a:pPr lvl="2"/>
+            <a:r>
+              <a:rPr lang="fr-FR"/>
+              <a:t>Troisième niveau</a:t>
+            </a:r>
+          </a:p>
+          <a:p>
+            <a:pPr lvl="3"/>
+            <a:r>
+              <a:rPr lang="fr-FR"/>
+              <a:t>Quatrième niveau</a:t>
+            </a:r>
+          </a:p>
+          <a:p>
+            <a:pPr lvl="4"/>
+            <a:r>
+              <a:rPr lang="fr-FR"/>
+              <a:t>Cinquième niveau</a:t>
+            </a:r>
+          </a:p>
+        </p:txBody>
+      </p:sp>
+      <p:sp>
+        <p:nvSpPr>
+          <p:cNvPr id="4" name="Espace réservé de la date 3">
+            <a:extLst>
+              <a:ext uri="{FF2B5EF4-FFF2-40B4-BE49-F238E27FC236}">
+                <a16:creationId xmlns:a16="http://schemas.microsoft.com/office/drawing/2014/main" id="{21161DFE-DFDE-406C-9666-5F0BAA1CF1BE}"/>
+              </a:ext>
+            </a:extLst>
+          </p:cNvPr>
+          <p:cNvSpPr>
+            <a:spLocks noGrp="1"/>
+          </p:cNvSpPr>
+          <p:nvPr>
+            <p:ph type="dt" sz="half" idx="10"/>
+          </p:nvPr>
+        </p:nvSpPr>
+        <p:spPr/>
+        <p:txBody>
+          <a:bodyPr/>
+          <a:lstStyle/>
+          <a:p>
+            <a:fld id="{612FF8F0-DE16-4E3D-846B-B895487F9DC8}" type="datetimeFigureOut">
+              <a:rPr lang="fr-FR" smtClean="0"/>
+              <a:t>09/01/2018</a:t>
+            </a:fld>
+            <a:endParaRPr lang="fr-FR"/>
+          </a:p>
+        </p:txBody>
+      </p:sp>
+      <p:sp>
+        <p:nvSpPr>
+          <p:cNvPr id="5" name="Espace réservé du pied de page 4">
+            <a:extLst>
+              <a:ext uri="{FF2B5EF4-FFF2-40B4-BE49-F238E27FC236}">
+                <a16:creationId xmlns:a16="http://schemas.microsoft.com/office/drawing/2014/main" id="{75BA4175-25E0-45C7-AB93-69290B7F9272}"/>
+              </a:ext>
+            </a:extLst>
+          </p:cNvPr>
+          <p:cNvSpPr>
+            <a:spLocks noGrp="1"/>
+          </p:cNvSpPr>
+          <p:nvPr>
+            <p:ph type="ftr" sz="quarter" idx="11"/>
+          </p:nvPr>
+        </p:nvSpPr>
+        <p:spPr/>
+        <p:txBody>
+          <a:bodyPr/>
+          <a:lstStyle/>
+          <a:p>
+            <a:endParaRPr lang="fr-FR"/>
+          </a:p>
+        </p:txBody>
+      </p:sp>
+      <p:sp>
+        <p:nvSpPr>
+          <p:cNvPr id="6" name="Espace réservé du numéro de diapositive 5">
+            <a:extLst>
+              <a:ext uri="{FF2B5EF4-FFF2-40B4-BE49-F238E27FC236}">
+                <a16:creationId xmlns:a16="http://schemas.microsoft.com/office/drawing/2014/main" id="{71083CCF-CB0E-44F6-A406-5A5E8F6BC7F1}"/>
+              </a:ext>
+            </a:extLst>
+          </p:cNvPr>
+          <p:cNvSpPr>
+            <a:spLocks noGrp="1"/>
+          </p:cNvSpPr>
+          <p:nvPr>
+            <p:ph type="sldNum" sz="quarter" idx="12"/>
+          </p:nvPr>
+        </p:nvSpPr>
+        <p:spPr/>
+        <p:txBody>
+          <a:bodyPr/>
+          <a:lstStyle/>
+          <a:p>
+            <a:fld id="{BC1E17BA-4C52-44E5-A51A-11232852C7FE}" type="slidenum">
+              <a:rPr lang="fr-FR" smtClean="0"/>
+              <a:t>‹N°›</a:t>
+            </a:fld>
+            <a:endParaRPr lang="fr-FR"/>
+          </a:p>
+        </p:txBody>
+      </p:sp>
+    </p:spTree>
+    <p:extLst>
+      <p:ext uri="{BB962C8B-B14F-4D97-AF65-F5344CB8AC3E}">
+        <p14:creationId xmlns:p14="http://schemas.microsoft.com/office/powerpoint/2010/main" val="3657334148"/>
+      </p:ext>
+    </p:extLst>
   </p:cSld>
   <p:clrMapOvr>
     <a:masterClrMapping/>
@@ -5744,6 +8383,574 @@
 </p:sldMaster>
 </file>
 
+<file path=ppt/slideMasters/slideMaster2.xml><?xml version="1.0" encoding="utf-8"?>
+<p:sldMaster xmlns:a="http://schemas.openxmlformats.org/drawingml/2006/main" xmlns:r="http://schemas.openxmlformats.org/officeDocument/2006/relationships" xmlns:p="http://schemas.openxmlformats.org/presentationml/2006/main" preserve="1">
+  <p:cSld>
+    <p:bg>
+      <p:bgRef idx="1001">
+        <a:schemeClr val="bg1"/>
+      </p:bgRef>
+    </p:bg>
+    <p:spTree>
+      <p:nvGrpSpPr>
+        <p:cNvPr id="1" name=""/>
+        <p:cNvGrpSpPr/>
+        <p:nvPr/>
+      </p:nvGrpSpPr>
+      <p:grpSpPr>
+        <a:xfrm>
+          <a:off x="0" y="0"/>
+          <a:ext cx="0" cy="0"/>
+          <a:chOff x="0" y="0"/>
+          <a:chExt cx="0" cy="0"/>
+        </a:xfrm>
+      </p:grpSpPr>
+      <p:sp>
+        <p:nvSpPr>
+          <p:cNvPr id="2" name="Espace réservé du titre 1">
+            <a:extLst>
+              <a:ext uri="{FF2B5EF4-FFF2-40B4-BE49-F238E27FC236}">
+                <a16:creationId xmlns:a16="http://schemas.microsoft.com/office/drawing/2014/main" id="{5E70AC83-1A31-41FC-9955-A9C593E1FD21}"/>
+              </a:ext>
+            </a:extLst>
+          </p:cNvPr>
+          <p:cNvSpPr>
+            <a:spLocks noGrp="1"/>
+          </p:cNvSpPr>
+          <p:nvPr>
+            <p:ph type="title"/>
+          </p:nvPr>
+        </p:nvSpPr>
+        <p:spPr>
+          <a:xfrm>
+            <a:off x="838200" y="365125"/>
+            <a:ext cx="10515600" cy="1325563"/>
+          </a:xfrm>
+          <a:prstGeom prst="rect">
+            <a:avLst/>
+          </a:prstGeom>
+        </p:spPr>
+        <p:txBody>
+          <a:bodyPr vert="horz" lIns="91440" tIns="45720" rIns="91440" bIns="45720" rtlCol="0" anchor="ctr">
+            <a:normAutofit/>
+          </a:bodyPr>
+          <a:lstStyle/>
+          <a:p>
+            <a:r>
+              <a:rPr lang="fr-FR"/>
+              <a:t>Modifiez le style du titre</a:t>
+            </a:r>
+          </a:p>
+        </p:txBody>
+      </p:sp>
+      <p:sp>
+        <p:nvSpPr>
+          <p:cNvPr id="3" name="Espace réservé du texte 2">
+            <a:extLst>
+              <a:ext uri="{FF2B5EF4-FFF2-40B4-BE49-F238E27FC236}">
+                <a16:creationId xmlns:a16="http://schemas.microsoft.com/office/drawing/2014/main" id="{6DDB34EE-A746-480E-841D-2581C3AB3FBC}"/>
+              </a:ext>
+            </a:extLst>
+          </p:cNvPr>
+          <p:cNvSpPr>
+            <a:spLocks noGrp="1"/>
+          </p:cNvSpPr>
+          <p:nvPr>
+            <p:ph type="body" idx="1"/>
+          </p:nvPr>
+        </p:nvSpPr>
+        <p:spPr>
+          <a:xfrm>
+            <a:off x="838200" y="1825625"/>
+            <a:ext cx="10515600" cy="4351338"/>
+          </a:xfrm>
+          <a:prstGeom prst="rect">
+            <a:avLst/>
+          </a:prstGeom>
+        </p:spPr>
+        <p:txBody>
+          <a:bodyPr vert="horz" lIns="91440" tIns="45720" rIns="91440" bIns="45720" rtlCol="0">
+            <a:normAutofit/>
+          </a:bodyPr>
+          <a:lstStyle/>
+          <a:p>
+            <a:pPr lvl="0"/>
+            <a:r>
+              <a:rPr lang="fr-FR"/>
+              <a:t>Modifier les styles du texte du masque</a:t>
+            </a:r>
+          </a:p>
+          <a:p>
+            <a:pPr lvl="1"/>
+            <a:r>
+              <a:rPr lang="fr-FR"/>
+              <a:t>Deuxième niveau</a:t>
+            </a:r>
+          </a:p>
+          <a:p>
+            <a:pPr lvl="2"/>
+            <a:r>
+              <a:rPr lang="fr-FR"/>
+              <a:t>Troisième niveau</a:t>
+            </a:r>
+          </a:p>
+          <a:p>
+            <a:pPr lvl="3"/>
+            <a:r>
+              <a:rPr lang="fr-FR"/>
+              <a:t>Quatrième niveau</a:t>
+            </a:r>
+          </a:p>
+          <a:p>
+            <a:pPr lvl="4"/>
+            <a:r>
+              <a:rPr lang="fr-FR"/>
+              <a:t>Cinquième niveau</a:t>
+            </a:r>
+          </a:p>
+        </p:txBody>
+      </p:sp>
+      <p:sp>
+        <p:nvSpPr>
+          <p:cNvPr id="4" name="Espace réservé de la date 3">
+            <a:extLst>
+              <a:ext uri="{FF2B5EF4-FFF2-40B4-BE49-F238E27FC236}">
+                <a16:creationId xmlns:a16="http://schemas.microsoft.com/office/drawing/2014/main" id="{E0A64581-B2EB-4589-9E5B-D31973F958F9}"/>
+              </a:ext>
+            </a:extLst>
+          </p:cNvPr>
+          <p:cNvSpPr>
+            <a:spLocks noGrp="1"/>
+          </p:cNvSpPr>
+          <p:nvPr>
+            <p:ph type="dt" sz="half" idx="2"/>
+          </p:nvPr>
+        </p:nvSpPr>
+        <p:spPr>
+          <a:xfrm>
+            <a:off x="838200" y="6356350"/>
+            <a:ext cx="2743200" cy="365125"/>
+          </a:xfrm>
+          <a:prstGeom prst="rect">
+            <a:avLst/>
+          </a:prstGeom>
+        </p:spPr>
+        <p:txBody>
+          <a:bodyPr vert="horz" lIns="91440" tIns="45720" rIns="91440" bIns="45720" rtlCol="0" anchor="ctr"/>
+          <a:lstStyle>
+            <a:lvl1pPr algn="l">
+              <a:defRPr sz="1200">
+                <a:solidFill>
+                  <a:schemeClr val="tx1">
+                    <a:tint val="75000"/>
+                  </a:schemeClr>
+                </a:solidFill>
+              </a:defRPr>
+            </a:lvl1pPr>
+          </a:lstStyle>
+          <a:p>
+            <a:fld id="{612FF8F0-DE16-4E3D-846B-B895487F9DC8}" type="datetimeFigureOut">
+              <a:rPr lang="fr-FR" smtClean="0"/>
+              <a:t>09/01/2018</a:t>
+            </a:fld>
+            <a:endParaRPr lang="fr-FR"/>
+          </a:p>
+        </p:txBody>
+      </p:sp>
+      <p:sp>
+        <p:nvSpPr>
+          <p:cNvPr id="5" name="Espace réservé du pied de page 4">
+            <a:extLst>
+              <a:ext uri="{FF2B5EF4-FFF2-40B4-BE49-F238E27FC236}">
+                <a16:creationId xmlns:a16="http://schemas.microsoft.com/office/drawing/2014/main" id="{1CFCA412-4971-4949-A169-7161F9E0171B}"/>
+              </a:ext>
+            </a:extLst>
+          </p:cNvPr>
+          <p:cNvSpPr>
+            <a:spLocks noGrp="1"/>
+          </p:cNvSpPr>
+          <p:nvPr>
+            <p:ph type="ftr" sz="quarter" idx="3"/>
+          </p:nvPr>
+        </p:nvSpPr>
+        <p:spPr>
+          <a:xfrm>
+            <a:off x="4038600" y="6356350"/>
+            <a:ext cx="4114800" cy="365125"/>
+          </a:xfrm>
+          <a:prstGeom prst="rect">
+            <a:avLst/>
+          </a:prstGeom>
+        </p:spPr>
+        <p:txBody>
+          <a:bodyPr vert="horz" lIns="91440" tIns="45720" rIns="91440" bIns="45720" rtlCol="0" anchor="ctr"/>
+          <a:lstStyle>
+            <a:lvl1pPr algn="ctr">
+              <a:defRPr sz="1200">
+                <a:solidFill>
+                  <a:schemeClr val="tx1">
+                    <a:tint val="75000"/>
+                  </a:schemeClr>
+                </a:solidFill>
+              </a:defRPr>
+            </a:lvl1pPr>
+          </a:lstStyle>
+          <a:p>
+            <a:endParaRPr lang="fr-FR"/>
+          </a:p>
+        </p:txBody>
+      </p:sp>
+      <p:sp>
+        <p:nvSpPr>
+          <p:cNvPr id="6" name="Espace réservé du numéro de diapositive 5">
+            <a:extLst>
+              <a:ext uri="{FF2B5EF4-FFF2-40B4-BE49-F238E27FC236}">
+                <a16:creationId xmlns:a16="http://schemas.microsoft.com/office/drawing/2014/main" id="{8BFA8326-C237-42D1-B919-123485B58443}"/>
+              </a:ext>
+            </a:extLst>
+          </p:cNvPr>
+          <p:cNvSpPr>
+            <a:spLocks noGrp="1"/>
+          </p:cNvSpPr>
+          <p:nvPr>
+            <p:ph type="sldNum" sz="quarter" idx="4"/>
+          </p:nvPr>
+        </p:nvSpPr>
+        <p:spPr>
+          <a:xfrm>
+            <a:off x="8610600" y="6356350"/>
+            <a:ext cx="2743200" cy="365125"/>
+          </a:xfrm>
+          <a:prstGeom prst="rect">
+            <a:avLst/>
+          </a:prstGeom>
+        </p:spPr>
+        <p:txBody>
+          <a:bodyPr vert="horz" lIns="91440" tIns="45720" rIns="91440" bIns="45720" rtlCol="0" anchor="ctr"/>
+          <a:lstStyle>
+            <a:lvl1pPr algn="r">
+              <a:defRPr sz="1200">
+                <a:solidFill>
+                  <a:schemeClr val="tx1">
+                    <a:tint val="75000"/>
+                  </a:schemeClr>
+                </a:solidFill>
+              </a:defRPr>
+            </a:lvl1pPr>
+          </a:lstStyle>
+          <a:p>
+            <a:fld id="{BC1E17BA-4C52-44E5-A51A-11232852C7FE}" type="slidenum">
+              <a:rPr lang="fr-FR" smtClean="0"/>
+              <a:t>‹N°›</a:t>
+            </a:fld>
+            <a:endParaRPr lang="fr-FR"/>
+          </a:p>
+        </p:txBody>
+      </p:sp>
+    </p:spTree>
+    <p:extLst>
+      <p:ext uri="{BB962C8B-B14F-4D97-AF65-F5344CB8AC3E}">
+        <p14:creationId xmlns:p14="http://schemas.microsoft.com/office/powerpoint/2010/main" val="4281253360"/>
+      </p:ext>
+    </p:extLst>
+  </p:cSld>
+  <p:clrMap bg1="lt1" tx1="dk1" bg2="lt2" tx2="dk2" accent1="accent1" accent2="accent2" accent3="accent3" accent4="accent4" accent5="accent5" accent6="accent6" hlink="hlink" folHlink="folHlink"/>
+  <p:sldLayoutIdLst>
+    <p:sldLayoutId id="2147483670" r:id="rId1"/>
+    <p:sldLayoutId id="2147483671" r:id="rId2"/>
+    <p:sldLayoutId id="2147483672" r:id="rId3"/>
+    <p:sldLayoutId id="2147483673" r:id="rId4"/>
+    <p:sldLayoutId id="2147483674" r:id="rId5"/>
+    <p:sldLayoutId id="2147483675" r:id="rId6"/>
+    <p:sldLayoutId id="2147483676" r:id="rId7"/>
+    <p:sldLayoutId id="2147483677" r:id="rId8"/>
+    <p:sldLayoutId id="2147483678" r:id="rId9"/>
+    <p:sldLayoutId id="2147483679" r:id="rId10"/>
+    <p:sldLayoutId id="2147483680" r:id="rId11"/>
+  </p:sldLayoutIdLst>
+  <p:txStyles>
+    <p:titleStyle>
+      <a:lvl1pPr algn="l" defTabSz="914400" rtl="0" eaLnBrk="1" latinLnBrk="0" hangingPunct="1">
+        <a:lnSpc>
+          <a:spcPct val="90000"/>
+        </a:lnSpc>
+        <a:spcBef>
+          <a:spcPct val="0"/>
+        </a:spcBef>
+        <a:buNone/>
+        <a:defRPr sz="4400" kern="1200">
+          <a:solidFill>
+            <a:schemeClr val="tx1"/>
+          </a:solidFill>
+          <a:latin typeface="+mj-lt"/>
+          <a:ea typeface="+mj-ea"/>
+          <a:cs typeface="+mj-cs"/>
+        </a:defRPr>
+      </a:lvl1pPr>
+    </p:titleStyle>
+    <p:bodyStyle>
+      <a:lvl1pPr marL="228600" indent="-228600" algn="l" defTabSz="914400" rtl="0" eaLnBrk="1" latinLnBrk="0" hangingPunct="1">
+        <a:lnSpc>
+          <a:spcPct val="90000"/>
+        </a:lnSpc>
+        <a:spcBef>
+          <a:spcPts val="1000"/>
+        </a:spcBef>
+        <a:buFont typeface="Arial" panose="020B0604020202020204" pitchFamily="34" charset="0"/>
+        <a:buChar char="•"/>
+        <a:defRPr sz="2800" kern="1200">
+          <a:solidFill>
+            <a:schemeClr val="tx1"/>
+          </a:solidFill>
+          <a:latin typeface="+mn-lt"/>
+          <a:ea typeface="+mn-ea"/>
+          <a:cs typeface="+mn-cs"/>
+        </a:defRPr>
+      </a:lvl1pPr>
+      <a:lvl2pPr marL="685800" indent="-228600" algn="l" defTabSz="914400" rtl="0" eaLnBrk="1" latinLnBrk="0" hangingPunct="1">
+        <a:lnSpc>
+          <a:spcPct val="90000"/>
+        </a:lnSpc>
+        <a:spcBef>
+          <a:spcPts val="500"/>
+        </a:spcBef>
+        <a:buFont typeface="Arial" panose="020B0604020202020204" pitchFamily="34" charset="0"/>
+        <a:buChar char="•"/>
+        <a:defRPr sz="2400" kern="1200">
+          <a:solidFill>
+            <a:schemeClr val="tx1"/>
+          </a:solidFill>
+          <a:latin typeface="+mn-lt"/>
+          <a:ea typeface="+mn-ea"/>
+          <a:cs typeface="+mn-cs"/>
+        </a:defRPr>
+      </a:lvl2pPr>
+      <a:lvl3pPr marL="1143000" indent="-228600" algn="l" defTabSz="914400" rtl="0" eaLnBrk="1" latinLnBrk="0" hangingPunct="1">
+        <a:lnSpc>
+          <a:spcPct val="90000"/>
+        </a:lnSpc>
+        <a:spcBef>
+          <a:spcPts val="500"/>
+        </a:spcBef>
+        <a:buFont typeface="Arial" panose="020B0604020202020204" pitchFamily="34" charset="0"/>
+        <a:buChar char="•"/>
+        <a:defRPr sz="2000" kern="1200">
+          <a:solidFill>
+            <a:schemeClr val="tx1"/>
+          </a:solidFill>
+          <a:latin typeface="+mn-lt"/>
+          <a:ea typeface="+mn-ea"/>
+          <a:cs typeface="+mn-cs"/>
+        </a:defRPr>
+      </a:lvl3pPr>
+      <a:lvl4pPr marL="1600200" indent="-228600" algn="l" defTabSz="914400" rtl="0" eaLnBrk="1" latinLnBrk="0" hangingPunct="1">
+        <a:lnSpc>
+          <a:spcPct val="90000"/>
+        </a:lnSpc>
+        <a:spcBef>
+          <a:spcPts val="500"/>
+        </a:spcBef>
+        <a:buFont typeface="Arial" panose="020B0604020202020204" pitchFamily="34" charset="0"/>
+        <a:buChar char="•"/>
+        <a:defRPr sz="1800" kern="1200">
+          <a:solidFill>
+            <a:schemeClr val="tx1"/>
+          </a:solidFill>
+          <a:latin typeface="+mn-lt"/>
+          <a:ea typeface="+mn-ea"/>
+          <a:cs typeface="+mn-cs"/>
+        </a:defRPr>
+      </a:lvl4pPr>
+      <a:lvl5pPr marL="2057400" indent="-228600" algn="l" defTabSz="914400" rtl="0" eaLnBrk="1" latinLnBrk="0" hangingPunct="1">
+        <a:lnSpc>
+          <a:spcPct val="90000"/>
+        </a:lnSpc>
+        <a:spcBef>
+          <a:spcPts val="500"/>
+        </a:spcBef>
+        <a:buFont typeface="Arial" panose="020B0604020202020204" pitchFamily="34" charset="0"/>
+        <a:buChar char="•"/>
+        <a:defRPr sz="1800" kern="1200">
+          <a:solidFill>
+            <a:schemeClr val="tx1"/>
+          </a:solidFill>
+          <a:latin typeface="+mn-lt"/>
+          <a:ea typeface="+mn-ea"/>
+          <a:cs typeface="+mn-cs"/>
+        </a:defRPr>
+      </a:lvl5pPr>
+      <a:lvl6pPr marL="2514600" indent="-228600" algn="l" defTabSz="914400" rtl="0" eaLnBrk="1" latinLnBrk="0" hangingPunct="1">
+        <a:lnSpc>
+          <a:spcPct val="90000"/>
+        </a:lnSpc>
+        <a:spcBef>
+          <a:spcPts val="500"/>
+        </a:spcBef>
+        <a:buFont typeface="Arial" panose="020B0604020202020204" pitchFamily="34" charset="0"/>
+        <a:buChar char="•"/>
+        <a:defRPr sz="1800" kern="1200">
+          <a:solidFill>
+            <a:schemeClr val="tx1"/>
+          </a:solidFill>
+          <a:latin typeface="+mn-lt"/>
+          <a:ea typeface="+mn-ea"/>
+          <a:cs typeface="+mn-cs"/>
+        </a:defRPr>
+      </a:lvl6pPr>
+      <a:lvl7pPr marL="2971800" indent="-228600" algn="l" defTabSz="914400" rtl="0" eaLnBrk="1" latinLnBrk="0" hangingPunct="1">
+        <a:lnSpc>
+          <a:spcPct val="90000"/>
+        </a:lnSpc>
+        <a:spcBef>
+          <a:spcPts val="500"/>
+        </a:spcBef>
+        <a:buFont typeface="Arial" panose="020B0604020202020204" pitchFamily="34" charset="0"/>
+        <a:buChar char="•"/>
+        <a:defRPr sz="1800" kern="1200">
+          <a:solidFill>
+            <a:schemeClr val="tx1"/>
+          </a:solidFill>
+          <a:latin typeface="+mn-lt"/>
+          <a:ea typeface="+mn-ea"/>
+          <a:cs typeface="+mn-cs"/>
+        </a:defRPr>
+      </a:lvl7pPr>
+      <a:lvl8pPr marL="3429000" indent="-228600" algn="l" defTabSz="914400" rtl="0" eaLnBrk="1" latinLnBrk="0" hangingPunct="1">
+        <a:lnSpc>
+          <a:spcPct val="90000"/>
+        </a:lnSpc>
+        <a:spcBef>
+          <a:spcPts val="500"/>
+        </a:spcBef>
+        <a:buFont typeface="Arial" panose="020B0604020202020204" pitchFamily="34" charset="0"/>
+        <a:buChar char="•"/>
+        <a:defRPr sz="1800" kern="1200">
+          <a:solidFill>
+            <a:schemeClr val="tx1"/>
+          </a:solidFill>
+          <a:latin typeface="+mn-lt"/>
+          <a:ea typeface="+mn-ea"/>
+          <a:cs typeface="+mn-cs"/>
+        </a:defRPr>
+      </a:lvl8pPr>
+      <a:lvl9pPr marL="3886200" indent="-228600" algn="l" defTabSz="914400" rtl="0" eaLnBrk="1" latinLnBrk="0" hangingPunct="1">
+        <a:lnSpc>
+          <a:spcPct val="90000"/>
+        </a:lnSpc>
+        <a:spcBef>
+          <a:spcPts val="500"/>
+        </a:spcBef>
+        <a:buFont typeface="Arial" panose="020B0604020202020204" pitchFamily="34" charset="0"/>
+        <a:buChar char="•"/>
+        <a:defRPr sz="1800" kern="1200">
+          <a:solidFill>
+            <a:schemeClr val="tx1"/>
+          </a:solidFill>
+          <a:latin typeface="+mn-lt"/>
+          <a:ea typeface="+mn-ea"/>
+          <a:cs typeface="+mn-cs"/>
+        </a:defRPr>
+      </a:lvl9pPr>
+    </p:bodyStyle>
+    <p:otherStyle>
+      <a:defPPr>
+        <a:defRPr lang="fr-FR"/>
+      </a:defPPr>
+      <a:lvl1pPr marL="0" algn="l" defTabSz="914400" rtl="0" eaLnBrk="1" latinLnBrk="0" hangingPunct="1">
+        <a:defRPr sz="1800" kern="1200">
+          <a:solidFill>
+            <a:schemeClr val="tx1"/>
+          </a:solidFill>
+          <a:latin typeface="+mn-lt"/>
+          <a:ea typeface="+mn-ea"/>
+          <a:cs typeface="+mn-cs"/>
+        </a:defRPr>
+      </a:lvl1pPr>
+      <a:lvl2pPr marL="457200" algn="l" defTabSz="914400" rtl="0" eaLnBrk="1" latinLnBrk="0" hangingPunct="1">
+        <a:defRPr sz="1800" kern="1200">
+          <a:solidFill>
+            <a:schemeClr val="tx1"/>
+          </a:solidFill>
+          <a:latin typeface="+mn-lt"/>
+          <a:ea typeface="+mn-ea"/>
+          <a:cs typeface="+mn-cs"/>
+        </a:defRPr>
+      </a:lvl2pPr>
+      <a:lvl3pPr marL="914400" algn="l" defTabSz="914400" rtl="0" eaLnBrk="1" latinLnBrk="0" hangingPunct="1">
+        <a:defRPr sz="1800" kern="1200">
+          <a:solidFill>
+            <a:schemeClr val="tx1"/>
+          </a:solidFill>
+          <a:latin typeface="+mn-lt"/>
+          <a:ea typeface="+mn-ea"/>
+          <a:cs typeface="+mn-cs"/>
+        </a:defRPr>
+      </a:lvl3pPr>
+      <a:lvl4pPr marL="1371600" algn="l" defTabSz="914400" rtl="0" eaLnBrk="1" latinLnBrk="0" hangingPunct="1">
+        <a:defRPr sz="1800" kern="1200">
+          <a:solidFill>
+            <a:schemeClr val="tx1"/>
+          </a:solidFill>
+          <a:latin typeface="+mn-lt"/>
+          <a:ea typeface="+mn-ea"/>
+          <a:cs typeface="+mn-cs"/>
+        </a:defRPr>
+      </a:lvl4pPr>
+      <a:lvl5pPr marL="1828800" algn="l" defTabSz="914400" rtl="0" eaLnBrk="1" latinLnBrk="0" hangingPunct="1">
+        <a:defRPr sz="1800" kern="1200">
+          <a:solidFill>
+            <a:schemeClr val="tx1"/>
+          </a:solidFill>
+          <a:latin typeface="+mn-lt"/>
+          <a:ea typeface="+mn-ea"/>
+          <a:cs typeface="+mn-cs"/>
+        </a:defRPr>
+      </a:lvl5pPr>
+      <a:lvl6pPr marL="2286000" algn="l" defTabSz="914400" rtl="0" eaLnBrk="1" latinLnBrk="0" hangingPunct="1">
+        <a:defRPr sz="1800" kern="1200">
+          <a:solidFill>
+            <a:schemeClr val="tx1"/>
+          </a:solidFill>
+          <a:latin typeface="+mn-lt"/>
+          <a:ea typeface="+mn-ea"/>
+          <a:cs typeface="+mn-cs"/>
+        </a:defRPr>
+      </a:lvl6pPr>
+      <a:lvl7pPr marL="2743200" algn="l" defTabSz="914400" rtl="0" eaLnBrk="1" latinLnBrk="0" hangingPunct="1">
+        <a:defRPr sz="1800" kern="1200">
+          <a:solidFill>
+            <a:schemeClr val="tx1"/>
+          </a:solidFill>
+          <a:latin typeface="+mn-lt"/>
+          <a:ea typeface="+mn-ea"/>
+          <a:cs typeface="+mn-cs"/>
+        </a:defRPr>
+      </a:lvl7pPr>
+      <a:lvl8pPr marL="3200400" algn="l" defTabSz="914400" rtl="0" eaLnBrk="1" latinLnBrk="0" hangingPunct="1">
+        <a:defRPr sz="1800" kern="1200">
+          <a:solidFill>
+            <a:schemeClr val="tx1"/>
+          </a:solidFill>
+          <a:latin typeface="+mn-lt"/>
+          <a:ea typeface="+mn-ea"/>
+          <a:cs typeface="+mn-cs"/>
+        </a:defRPr>
+      </a:lvl8pPr>
+      <a:lvl9pPr marL="3657600" algn="l" defTabSz="914400" rtl="0" eaLnBrk="1" latinLnBrk="0" hangingPunct="1">
+        <a:defRPr sz="1800" kern="1200">
+          <a:solidFill>
+            <a:schemeClr val="tx1"/>
+          </a:solidFill>
+          <a:latin typeface="+mn-lt"/>
+          <a:ea typeface="+mn-ea"/>
+          <a:cs typeface="+mn-cs"/>
+        </a:defRPr>
+      </a:lvl9pPr>
+    </p:otherStyle>
+  </p:txStyles>
+</p:sldMaster>
+</file>
+
 <file path=ppt/slides/slide1.xml><?xml version="1.0" encoding="utf-8"?>
 <p:sld xmlns:a="http://schemas.openxmlformats.org/drawingml/2006/main" xmlns:r="http://schemas.openxmlformats.org/officeDocument/2006/relationships" xmlns:p="http://schemas.openxmlformats.org/presentationml/2006/main">
   <p:cSld>
@@ -5817,7 +9024,48 @@
           <a:p>
             <a:r>
               <a:rPr lang="fr-FR" dirty="0"/>
-              <a:t>JARRY Timothé, Quentin BOULANGER, Benjamin FERNANDEZ, Stéphane KY, Jeremy SVENSSON</a:t>
+              <a:t>Timothé JARRY, Quentin BOULANGER, Benjamin FERNANDEZ, Stéphane KY, Jeremy SVENSSON</a:t>
+            </a:r>
+          </a:p>
+        </p:txBody>
+      </p:sp>
+      <p:sp>
+        <p:nvSpPr>
+          <p:cNvPr id="4" name="ZoneTexte 3">
+            <a:extLst>
+              <a:ext uri="{FF2B5EF4-FFF2-40B4-BE49-F238E27FC236}">
+                <a16:creationId xmlns:a16="http://schemas.microsoft.com/office/drawing/2014/main" id="{BEB61B5F-5E24-4D4D-B9E6-E8EAFAD38294}"/>
+              </a:ext>
+            </a:extLst>
+          </p:cNvPr>
+          <p:cNvSpPr txBox="1"/>
+          <p:nvPr/>
+        </p:nvSpPr>
+        <p:spPr>
+          <a:xfrm>
+            <a:off x="1371599" y="4318001"/>
+            <a:ext cx="1675459" cy="523220"/>
+          </a:xfrm>
+          <a:prstGeom prst="rect">
+            <a:avLst/>
+          </a:prstGeom>
+          <a:noFill/>
+        </p:spPr>
+        <p:txBody>
+          <a:bodyPr wrap="none" rtlCol="0">
+            <a:spAutoFit/>
+          </a:bodyPr>
+          <a:lstStyle/>
+          <a:p>
+            <a:r>
+              <a:rPr lang="fr-FR" sz="1400" dirty="0"/>
+              <a:t>LE 10/01/2018</a:t>
+            </a:r>
+          </a:p>
+          <a:p>
+            <a:r>
+              <a:rPr lang="fr-FR" sz="1400" dirty="0"/>
+              <a:t>M.CORTES | ESGI</a:t>
             </a:r>
           </a:p>
         </p:txBody>
@@ -5918,6 +9166,7 @@
           </a:bodyPr>
           <a:lstStyle/>
           <a:p>
+            <a:pPr algn="ctr"/>
             <a:r>
               <a:rPr lang="fr-FR" dirty="0"/>
               <a:t>6- Help				</a:t>
@@ -5949,7 +9198,15 @@
           <a:p>
             <a:r>
               <a:rPr lang="en-US" dirty="0"/>
-              <a:t>Aide pour les differences </a:t>
+              <a:t>Aide pour les </a:t>
+            </a:r>
+            <a:r>
+              <a:rPr lang="en-US" dirty="0" err="1"/>
+              <a:t>differentes</a:t>
+            </a:r>
+            <a:r>
+              <a:rPr lang="en-US" dirty="0"/>
+              <a:t> </a:t>
             </a:r>
           </a:p>
           <a:p>
@@ -6129,6 +9386,7 @@
           <a:bodyPr/>
           <a:lstStyle/>
           <a:p>
+            <a:pPr algn="ctr"/>
             <a:r>
               <a:rPr lang="fr-FR" dirty="0"/>
               <a:t>Sommaire				</a:t>
@@ -6204,12 +9462,8 @@
               <a:buAutoNum type="arabicPeriod"/>
             </a:pPr>
             <a:r>
-              <a:rPr lang="fr-FR" sz="2400" dirty="0" err="1"/>
-              <a:t>Modifcation</a:t>
-            </a:r>
-            <a:r>
               <a:rPr lang="fr-FR" sz="2400" dirty="0"/>
-              <a:t> d’une unité d’organisation </a:t>
+              <a:t>Modification d’une unité d’organisation </a:t>
             </a:r>
           </a:p>
           <a:p>
@@ -6299,7 +9553,7 @@
           <a:bodyPr/>
           <a:lstStyle/>
           <a:p>
-            <a:pPr marL="571500" indent="-571500">
+            <a:pPr marL="571500" indent="-571500" algn="ctr">
               <a:buFont typeface="Arial" panose="020B0604020202020204" pitchFamily="34" charset="0"/>
               <a:buChar char="•"/>
             </a:pPr>
@@ -6394,7 +9648,7 @@
           <a:bodyPr/>
           <a:lstStyle/>
           <a:p>
-            <a:pPr marL="571500" indent="-571500">
+            <a:pPr marL="571500" indent="-571500" algn="ctr">
               <a:buFont typeface="Arial" panose="020B0604020202020204" pitchFamily="34" charset="0"/>
               <a:buChar char="•"/>
             </a:pPr>
@@ -6588,6 +9842,7 @@
           </a:bodyPr>
           <a:lstStyle/>
           <a:p>
+            <a:pPr algn="ctr"/>
             <a:r>
               <a:rPr lang="fr-FR" dirty="0"/>
               <a:t>1- Sauvegarde			 </a:t>
@@ -6753,6 +10008,7 @@
           </a:bodyPr>
           <a:lstStyle/>
           <a:p>
+            <a:pPr algn="ctr"/>
             <a:r>
               <a:rPr lang="fr-FR" dirty="0"/>
               <a:t>2- Affichage des droits actuels</a:t>
@@ -6885,6 +10141,7 @@
           </a:bodyPr>
           <a:lstStyle/>
           <a:p>
+            <a:pPr algn="ctr"/>
             <a:r>
               <a:rPr lang="fr-FR" dirty="0"/>
               <a:t>3- Restauration </a:t>
@@ -6916,47 +10173,23 @@
           <a:p>
             <a:r>
               <a:rPr lang="en-US" dirty="0"/>
-              <a:t>Restauration </a:t>
-            </a:r>
-            <a:r>
-              <a:rPr lang="en-US" dirty="0" err="1"/>
-              <a:t>complète</a:t>
-            </a:r>
+              <a:t>Restauration complète </a:t>
+            </a:r>
+          </a:p>
+          <a:p>
+            <a:endParaRPr lang="en-US" dirty="0"/>
+          </a:p>
+          <a:p>
             <a:r>
               <a:rPr lang="en-US" dirty="0"/>
-              <a:t> </a:t>
-            </a:r>
-          </a:p>
-          <a:p>
-            <a:endParaRPr lang="en-US" dirty="0"/>
-          </a:p>
-          <a:p>
+              <a:t>Restauration partielle </a:t>
+            </a:r>
+          </a:p>
+          <a:p>
+            <a:pPr lvl="1"/>
             <a:r>
               <a:rPr lang="en-US" dirty="0"/>
-              <a:t>Restauration </a:t>
-            </a:r>
-            <a:r>
-              <a:rPr lang="en-US" dirty="0" err="1"/>
-              <a:t>partielle</a:t>
-            </a:r>
-            <a:r>
-              <a:rPr lang="en-US" dirty="0"/>
-              <a:t> </a:t>
-            </a:r>
-          </a:p>
-          <a:p>
-            <a:pPr lvl="1"/>
-            <a:r>
-              <a:rPr lang="en-US" dirty="0"/>
-              <a:t>A </a:t>
-            </a:r>
-            <a:r>
-              <a:rPr lang="en-US" dirty="0" err="1"/>
-              <a:t>partir</a:t>
-            </a:r>
-            <a:r>
-              <a:rPr lang="en-US" dirty="0"/>
-              <a:t> d’un chemin d’accès</a:t>
+              <a:t>A partir d’un chemin d’accès</a:t>
             </a:r>
           </a:p>
         </p:txBody>
@@ -7057,9 +10290,10 @@
           </a:bodyPr>
           <a:lstStyle/>
           <a:p>
+            <a:pPr algn="ctr"/>
             <a:r>
               <a:rPr lang="fr-FR" dirty="0"/>
-              <a:t>4- Modification d’une OU</a:t>
+              <a:t>4- Modification d’une unité d’organisation</a:t>
             </a:r>
           </a:p>
         </p:txBody>
@@ -7198,6 +10432,7 @@
           </a:bodyPr>
           <a:lstStyle/>
           <a:p>
+            <a:pPr algn="ctr"/>
             <a:r>
               <a:rPr lang="fr-FR" dirty="0"/>
               <a:t>5- changement domaine/utilisateur </a:t>
@@ -7229,32 +10464,16 @@
           <a:p>
             <a:r>
               <a:rPr lang="en-US" dirty="0"/>
-              <a:t>Changer de </a:t>
-            </a:r>
-            <a:r>
-              <a:rPr lang="en-US" dirty="0" err="1"/>
-              <a:t>domaine</a:t>
-            </a:r>
+              <a:t>Changer de domaine </a:t>
+            </a:r>
+          </a:p>
+          <a:p>
+            <a:endParaRPr lang="en-US" dirty="0"/>
+          </a:p>
+          <a:p>
             <a:r>
               <a:rPr lang="en-US" dirty="0"/>
-              <a:t> </a:t>
-            </a:r>
-          </a:p>
-          <a:p>
-            <a:endParaRPr lang="en-US" dirty="0"/>
-          </a:p>
-          <a:p>
-            <a:r>
-              <a:rPr lang="en-US" dirty="0"/>
-              <a:t>Changer </a:t>
-            </a:r>
-            <a:r>
-              <a:rPr lang="en-US" dirty="0" err="1"/>
-              <a:t>d’utilisateur</a:t>
-            </a:r>
-            <a:r>
-              <a:rPr lang="en-US" dirty="0"/>
-              <a:t> </a:t>
+              <a:t>Changer d’utilisateur </a:t>
             </a:r>
           </a:p>
         </p:txBody>
@@ -7540,4 +10759,299 @@
     </a:ext>
   </a:extLst>
 </a:theme>
+</file>
+
+<file path=ppt/theme/theme2.xml><?xml version="1.0" encoding="utf-8"?>
+<a:theme xmlns:a="http://schemas.openxmlformats.org/drawingml/2006/main" name="Conception personnalisée">
+  <a:themeElements>
+    <a:clrScheme name="Office">
+      <a:dk1>
+        <a:sysClr val="windowText" lastClr="000000"/>
+      </a:dk1>
+      <a:lt1>
+        <a:sysClr val="window" lastClr="FFFFFF"/>
+      </a:lt1>
+      <a:dk2>
+        <a:srgbClr val="44546A"/>
+      </a:dk2>
+      <a:lt2>
+        <a:srgbClr val="E7E6E6"/>
+      </a:lt2>
+      <a:accent1>
+        <a:srgbClr val="4472C4"/>
+      </a:accent1>
+      <a:accent2>
+        <a:srgbClr val="ED7D31"/>
+      </a:accent2>
+      <a:accent3>
+        <a:srgbClr val="A5A5A5"/>
+      </a:accent3>
+      <a:accent4>
+        <a:srgbClr val="FFC000"/>
+      </a:accent4>
+      <a:accent5>
+        <a:srgbClr val="5B9BD5"/>
+      </a:accent5>
+      <a:accent6>
+        <a:srgbClr val="70AD47"/>
+      </a:accent6>
+      <a:hlink>
+        <a:srgbClr val="0563C1"/>
+      </a:hlink>
+      <a:folHlink>
+        <a:srgbClr val="954F72"/>
+      </a:folHlink>
+    </a:clrScheme>
+    <a:fontScheme name="Office">
+      <a:majorFont>
+        <a:latin typeface="Calibri Light" panose="020F0302020204030204"/>
+        <a:ea typeface=""/>
+        <a:cs typeface=""/>
+        <a:font script="Jpan" typeface="游ゴシック Light"/>
+        <a:font script="Hang" typeface="맑은 고딕"/>
+        <a:font script="Hans" typeface="等线 Light"/>
+        <a:font script="Hant" typeface="新細明體"/>
+        <a:font script="Arab" typeface="Times New Roman"/>
+        <a:font script="Hebr" typeface="Times New Roman"/>
+        <a:font script="Thai" typeface="Angsana New"/>
+        <a:font script="Ethi" typeface="Nyala"/>
+        <a:font script="Beng" typeface="Vrinda"/>
+        <a:font script="Gujr" typeface="Shruti"/>
+        <a:font script="Khmr" typeface="MoolBoran"/>
+        <a:font script="Knda" typeface="Tunga"/>
+        <a:font script="Guru" typeface="Raavi"/>
+        <a:font script="Cans" typeface="Euphemia"/>
+        <a:font script="Cher" typeface="Plantagenet Cherokee"/>
+        <a:font script="Yiii" typeface="Microsoft Yi Baiti"/>
+        <a:font script="Tibt" typeface="Microsoft Himalaya"/>
+        <a:font script="Thaa" typeface="MV Boli"/>
+        <a:font script="Deva" typeface="Mangal"/>
+        <a:font script="Telu" typeface="Gautami"/>
+        <a:font script="Taml" typeface="Latha"/>
+        <a:font script="Syrc" typeface="Estrangelo Edessa"/>
+        <a:font script="Orya" typeface="Kalinga"/>
+        <a:font script="Mlym" typeface="Kartika"/>
+        <a:font script="Laoo" typeface="DokChampa"/>
+        <a:font script="Sinh" typeface="Iskoola Pota"/>
+        <a:font script="Mong" typeface="Mongolian Baiti"/>
+        <a:font script="Viet" typeface="Times New Roman"/>
+        <a:font script="Uigh" typeface="Microsoft Uighur"/>
+        <a:font script="Geor" typeface="Sylfaen"/>
+        <a:font script="Armn" typeface="Arial"/>
+        <a:font script="Bugi" typeface="Leelawadee UI"/>
+        <a:font script="Bopo" typeface="Microsoft JhengHei"/>
+        <a:font script="Java" typeface="Javanese Text"/>
+        <a:font script="Lisu" typeface="Segoe UI"/>
+        <a:font script="Mymr" typeface="Myanmar Text"/>
+        <a:font script="Nkoo" typeface="Ebrima"/>
+        <a:font script="Olck" typeface="Nirmala UI"/>
+        <a:font script="Osma" typeface="Ebrima"/>
+        <a:font script="Phag" typeface="Phagspa"/>
+        <a:font script="Syrn" typeface="Estrangelo Edessa"/>
+        <a:font script="Syrj" typeface="Estrangelo Edessa"/>
+        <a:font script="Syre" typeface="Estrangelo Edessa"/>
+        <a:font script="Sora" typeface="Nirmala UI"/>
+        <a:font script="Tale" typeface="Microsoft Tai Le"/>
+        <a:font script="Talu" typeface="Microsoft New Tai Lue"/>
+        <a:font script="Tfng" typeface="Ebrima"/>
+      </a:majorFont>
+      <a:minorFont>
+        <a:latin typeface="Calibri" panose="020F0502020204030204"/>
+        <a:ea typeface=""/>
+        <a:cs typeface=""/>
+        <a:font script="Jpan" typeface="游ゴシック"/>
+        <a:font script="Hang" typeface="맑은 고딕"/>
+        <a:font script="Hans" typeface="等线"/>
+        <a:font script="Hant" typeface="新細明體"/>
+        <a:font script="Arab" typeface="Arial"/>
+        <a:font script="Hebr" typeface="Arial"/>
+        <a:font script="Thai" typeface="Cordia New"/>
+        <a:font script="Ethi" typeface="Nyala"/>
+        <a:font script="Beng" typeface="Vrinda"/>
+        <a:font script="Gujr" typeface="Shruti"/>
+        <a:font script="Khmr" typeface="DaunPenh"/>
+        <a:font script="Knda" typeface="Tunga"/>
+        <a:font script="Guru" typeface="Raavi"/>
+        <a:font script="Cans" typeface="Euphemia"/>
+        <a:font script="Cher" typeface="Plantagenet Cherokee"/>
+        <a:font script="Yiii" typeface="Microsoft Yi Baiti"/>
+        <a:font script="Tibt" typeface="Microsoft Himalaya"/>
+        <a:font script="Thaa" typeface="MV Boli"/>
+        <a:font script="Deva" typeface="Mangal"/>
+        <a:font script="Telu" typeface="Gautami"/>
+        <a:font script="Taml" typeface="Latha"/>
+        <a:font script="Syrc" typeface="Estrangelo Edessa"/>
+        <a:font script="Orya" typeface="Kalinga"/>
+        <a:font script="Mlym" typeface="Kartika"/>
+        <a:font script="Laoo" typeface="DokChampa"/>
+        <a:font script="Sinh" typeface="Iskoola Pota"/>
+        <a:font script="Mong" typeface="Mongolian Baiti"/>
+        <a:font script="Viet" typeface="Arial"/>
+        <a:font script="Uigh" typeface="Microsoft Uighur"/>
+        <a:font script="Geor" typeface="Sylfaen"/>
+        <a:font script="Armn" typeface="Arial"/>
+        <a:font script="Bugi" typeface="Leelawadee UI"/>
+        <a:font script="Bopo" typeface="Microsoft JhengHei"/>
+        <a:font script="Java" typeface="Javanese Text"/>
+        <a:font script="Lisu" typeface="Segoe UI"/>
+        <a:font script="Mymr" typeface="Myanmar Text"/>
+        <a:font script="Nkoo" typeface="Ebrima"/>
+        <a:font script="Olck" typeface="Nirmala UI"/>
+        <a:font script="Osma" typeface="Ebrima"/>
+        <a:font script="Phag" typeface="Phagspa"/>
+        <a:font script="Syrn" typeface="Estrangelo Edessa"/>
+        <a:font script="Syrj" typeface="Estrangelo Edessa"/>
+        <a:font script="Syre" typeface="Estrangelo Edessa"/>
+        <a:font script="Sora" typeface="Nirmala UI"/>
+        <a:font script="Tale" typeface="Microsoft Tai Le"/>
+        <a:font script="Talu" typeface="Microsoft New Tai Lue"/>
+        <a:font script="Tfng" typeface="Ebrima"/>
+      </a:minorFont>
+    </a:fontScheme>
+    <a:fmtScheme name="Office">
+      <a:fillStyleLst>
+        <a:solidFill>
+          <a:schemeClr val="phClr"/>
+        </a:solidFill>
+        <a:gradFill rotWithShape="1">
+          <a:gsLst>
+            <a:gs pos="0">
+              <a:schemeClr val="phClr">
+                <a:lumMod val="110000"/>
+                <a:satMod val="105000"/>
+                <a:tint val="67000"/>
+              </a:schemeClr>
+            </a:gs>
+            <a:gs pos="50000">
+              <a:schemeClr val="phClr">
+                <a:lumMod val="105000"/>
+                <a:satMod val="103000"/>
+                <a:tint val="73000"/>
+              </a:schemeClr>
+            </a:gs>
+            <a:gs pos="100000">
+              <a:schemeClr val="phClr">
+                <a:lumMod val="105000"/>
+                <a:satMod val="109000"/>
+                <a:tint val="81000"/>
+              </a:schemeClr>
+            </a:gs>
+          </a:gsLst>
+          <a:lin ang="5400000" scaled="0"/>
+        </a:gradFill>
+        <a:gradFill rotWithShape="1">
+          <a:gsLst>
+            <a:gs pos="0">
+              <a:schemeClr val="phClr">
+                <a:satMod val="103000"/>
+                <a:lumMod val="102000"/>
+                <a:tint val="94000"/>
+              </a:schemeClr>
+            </a:gs>
+            <a:gs pos="50000">
+              <a:schemeClr val="phClr">
+                <a:satMod val="110000"/>
+                <a:lumMod val="100000"/>
+                <a:shade val="100000"/>
+              </a:schemeClr>
+            </a:gs>
+            <a:gs pos="100000">
+              <a:schemeClr val="phClr">
+                <a:lumMod val="99000"/>
+                <a:satMod val="120000"/>
+                <a:shade val="78000"/>
+              </a:schemeClr>
+            </a:gs>
+          </a:gsLst>
+          <a:lin ang="5400000" scaled="0"/>
+        </a:gradFill>
+      </a:fillStyleLst>
+      <a:lnStyleLst>
+        <a:ln w="6350" cap="flat" cmpd="sng" algn="ctr">
+          <a:solidFill>
+            <a:schemeClr val="phClr"/>
+          </a:solidFill>
+          <a:prstDash val="solid"/>
+          <a:miter lim="800000"/>
+        </a:ln>
+        <a:ln w="12700" cap="flat" cmpd="sng" algn="ctr">
+          <a:solidFill>
+            <a:schemeClr val="phClr"/>
+          </a:solidFill>
+          <a:prstDash val="solid"/>
+          <a:miter lim="800000"/>
+        </a:ln>
+        <a:ln w="19050" cap="flat" cmpd="sng" algn="ctr">
+          <a:solidFill>
+            <a:schemeClr val="phClr"/>
+          </a:solidFill>
+          <a:prstDash val="solid"/>
+          <a:miter lim="800000"/>
+        </a:ln>
+      </a:lnStyleLst>
+      <a:effectStyleLst>
+        <a:effectStyle>
+          <a:effectLst/>
+        </a:effectStyle>
+        <a:effectStyle>
+          <a:effectLst/>
+        </a:effectStyle>
+        <a:effectStyle>
+          <a:effectLst>
+            <a:outerShdw blurRad="57150" dist="19050" dir="5400000" algn="ctr" rotWithShape="0">
+              <a:srgbClr val="000000">
+                <a:alpha val="63000"/>
+              </a:srgbClr>
+            </a:outerShdw>
+          </a:effectLst>
+        </a:effectStyle>
+      </a:effectStyleLst>
+      <a:bgFillStyleLst>
+        <a:solidFill>
+          <a:schemeClr val="phClr"/>
+        </a:solidFill>
+        <a:solidFill>
+          <a:schemeClr val="phClr">
+            <a:tint val="95000"/>
+            <a:satMod val="170000"/>
+          </a:schemeClr>
+        </a:solidFill>
+        <a:gradFill rotWithShape="1">
+          <a:gsLst>
+            <a:gs pos="0">
+              <a:schemeClr val="phClr">
+                <a:tint val="93000"/>
+                <a:satMod val="150000"/>
+                <a:shade val="98000"/>
+                <a:lumMod val="102000"/>
+              </a:schemeClr>
+            </a:gs>
+            <a:gs pos="50000">
+              <a:schemeClr val="phClr">
+                <a:tint val="98000"/>
+                <a:satMod val="130000"/>
+                <a:shade val="90000"/>
+                <a:lumMod val="103000"/>
+              </a:schemeClr>
+            </a:gs>
+            <a:gs pos="100000">
+              <a:schemeClr val="phClr">
+                <a:shade val="63000"/>
+                <a:satMod val="120000"/>
+              </a:schemeClr>
+            </a:gs>
+          </a:gsLst>
+          <a:lin ang="5400000" scaled="0"/>
+        </a:gradFill>
+      </a:bgFillStyleLst>
+    </a:fmtScheme>
+  </a:themeElements>
+  <a:objectDefaults/>
+  <a:extraClrSchemeLst/>
+  <a:extLst>
+    <a:ext uri="{05A4C25C-085E-4340-85A3-A5531E510DB2}">
+      <thm15:themeFamily xmlns:thm15="http://schemas.microsoft.com/office/thememl/2012/main" name="Office Theme" id="{62F939B6-93AF-4DB8-9C6B-D6C7DFDC589F}" vid="{4A3C46E8-61CC-4603-A589-7422A47A8E4A}"/>
+    </a:ext>
+  </a:extLst>
+</a:theme>
 </file>
--- a/ppt_final.pptx
+++ b/ppt_final.pptx
@@ -10085,16 +10085,14 @@
       </p:grpSpPr>
       <p:pic>
         <p:nvPicPr>
-          <p:cNvPr id="7" name="Espace réservé du contenu 3" descr="Une image contenant texte&#10;&#10;Description générée avec un niveau de confiance élevé">
+          <p:cNvPr id="5" name="Image 4">
             <a:extLst>
               <a:ext uri="{FF2B5EF4-FFF2-40B4-BE49-F238E27FC236}">
-                <a16:creationId xmlns:a16="http://schemas.microsoft.com/office/drawing/2014/main" id="{EEFA8A35-67C2-4602-82FF-845B71CE4572}"/>
+                <a16:creationId xmlns:a16="http://schemas.microsoft.com/office/drawing/2014/main" id="{5D225154-C8AC-4413-8F6A-8D55D88575AD}"/>
               </a:ext>
             </a:extLst>
           </p:cNvPr>
-          <p:cNvPicPr>
-            <a:picLocks noChangeAspect="1"/>
-          </p:cNvPicPr>
+          <p:cNvPicPr/>
           <p:nvPr/>
         </p:nvPicPr>
         <p:blipFill>
@@ -10105,8 +10103,8 @@
         </p:blipFill>
         <p:spPr>
           <a:xfrm>
-            <a:off x="4772914" y="2762250"/>
-            <a:ext cx="6733286" cy="2002463"/>
+            <a:off x="5152571" y="2057401"/>
+            <a:ext cx="6353629" cy="2777109"/>
           </a:xfrm>
           <a:prstGeom prst="rect">
             <a:avLst/>
@@ -10141,11 +10139,11 @@
           </a:bodyPr>
           <a:lstStyle/>
           <a:p>
-            <a:pPr algn="ctr"/>
             <a:r>
               <a:rPr lang="fr-FR" dirty="0"/>
               <a:t>3- Restauration </a:t>
             </a:r>
+            <a:endParaRPr lang="fr-FR"/>
           </a:p>
         </p:txBody>
       </p:sp>
@@ -10161,7 +10159,7 @@
         </p:nvSpPr>
         <p:spPr>
           <a:xfrm>
-            <a:off x="279400" y="2204159"/>
+            <a:off x="677333" y="2194560"/>
             <a:ext cx="5816600" cy="4024125"/>
           </a:xfrm>
         </p:spPr>

--- a/ppt_final.pptx
+++ b/ppt_final.pptx
@@ -297,7 +297,7 @@
           <a:p>
             <a:fld id="{48A87A34-81AB-432B-8DAE-1953F412C126}" type="datetimeFigureOut">
               <a:rPr lang="en-US" dirty="0"/>
-              <a:t>1/9/2018</a:t>
+              <a:t>1/10/2018</a:t>
             </a:fld>
             <a:endParaRPr lang="en-US" dirty="0"/>
           </a:p>
@@ -606,7 +606,7 @@
           <a:p>
             <a:fld id="{48A87A34-81AB-432B-8DAE-1953F412C126}" type="datetimeFigureOut">
               <a:rPr lang="en-US" dirty="0"/>
-              <a:t>1/9/2018</a:t>
+              <a:t>1/10/2018</a:t>
             </a:fld>
             <a:endParaRPr lang="en-US" dirty="0"/>
           </a:p>
@@ -833,7 +833,7 @@
             <a:fld id="{48A87A34-81AB-432B-8DAE-1953F412C126}" type="datetimeFigureOut">
               <a:rPr lang="en-US" dirty="0"/>
               <a:pPr/>
-              <a:t>1/9/2018</a:t>
+              <a:t>1/10/2018</a:t>
             </a:fld>
             <a:endParaRPr lang="en-US" dirty="0"/>
           </a:p>
@@ -1139,7 +1139,7 @@
             <a:fld id="{48A87A34-81AB-432B-8DAE-1953F412C126}" type="datetimeFigureOut">
               <a:rPr lang="en-US" dirty="0"/>
               <a:pPr/>
-              <a:t>1/9/2018</a:t>
+              <a:t>1/10/2018</a:t>
             </a:fld>
             <a:endParaRPr lang="en-US" dirty="0"/>
           </a:p>
@@ -1608,7 +1608,7 @@
             <a:fld id="{48A87A34-81AB-432B-8DAE-1953F412C126}" type="datetimeFigureOut">
               <a:rPr lang="en-US" dirty="0"/>
               <a:pPr/>
-              <a:t>1/9/2018</a:t>
+              <a:t>1/10/2018</a:t>
             </a:fld>
             <a:endParaRPr lang="en-US" dirty="0"/>
           </a:p>
@@ -2150,7 +2150,7 @@
           <a:p>
             <a:fld id="{48A87A34-81AB-432B-8DAE-1953F412C126}" type="datetimeFigureOut">
               <a:rPr lang="en-US" dirty="0"/>
-              <a:t>1/9/2018</a:t>
+              <a:t>1/10/2018</a:t>
             </a:fld>
             <a:endParaRPr lang="en-US" dirty="0"/>
           </a:p>
@@ -2919,7 +2919,7 @@
           <a:p>
             <a:fld id="{48A87A34-81AB-432B-8DAE-1953F412C126}" type="datetimeFigureOut">
               <a:rPr lang="en-US" dirty="0"/>
-              <a:t>1/9/2018</a:t>
+              <a:t>1/10/2018</a:t>
             </a:fld>
             <a:endParaRPr lang="en-US" dirty="0"/>
           </a:p>
@@ -3089,7 +3089,7 @@
           <a:p>
             <a:fld id="{48A87A34-81AB-432B-8DAE-1953F412C126}" type="datetimeFigureOut">
               <a:rPr lang="en-US" dirty="0"/>
-              <a:t>1/9/2018</a:t>
+              <a:t>1/10/2018</a:t>
             </a:fld>
             <a:endParaRPr lang="en-US" dirty="0"/>
           </a:p>
@@ -3308,7 +3308,7 @@
             <a:fld id="{48A87A34-81AB-432B-8DAE-1953F412C126}" type="datetimeFigureOut">
               <a:rPr lang="en-US" dirty="0"/>
               <a:pPr/>
-              <a:t>1/9/2018</a:t>
+              <a:t>1/10/2018</a:t>
             </a:fld>
             <a:endParaRPr lang="en-US" dirty="0"/>
           </a:p>
@@ -3521,7 +3521,7 @@
           <a:p>
             <a:fld id="{612FF8F0-DE16-4E3D-846B-B895487F9DC8}" type="datetimeFigureOut">
               <a:rPr lang="fr-FR" smtClean="0"/>
-              <a:t>09/01/2018</a:t>
+              <a:t>10/01/2018</a:t>
             </a:fld>
             <a:endParaRPr lang="fr-FR"/>
           </a:p>
@@ -3719,7 +3719,7 @@
           <a:p>
             <a:fld id="{612FF8F0-DE16-4E3D-846B-B895487F9DC8}" type="datetimeFigureOut">
               <a:rPr lang="fr-FR" smtClean="0"/>
-              <a:t>09/01/2018</a:t>
+              <a:t>10/01/2018</a:t>
             </a:fld>
             <a:endParaRPr lang="fr-FR"/>
           </a:p>
@@ -3901,7 +3901,7 @@
           <a:p>
             <a:fld id="{48A87A34-81AB-432B-8DAE-1953F412C126}" type="datetimeFigureOut">
               <a:rPr lang="en-US" dirty="0"/>
-              <a:t>1/9/2018</a:t>
+              <a:t>1/10/2018</a:t>
             </a:fld>
             <a:endParaRPr lang="en-US" dirty="0"/>
           </a:p>
@@ -4206,7 +4206,7 @@
           <a:p>
             <a:fld id="{612FF8F0-DE16-4E3D-846B-B895487F9DC8}" type="datetimeFigureOut">
               <a:rPr lang="fr-FR" smtClean="0"/>
-              <a:t>09/01/2018</a:t>
+              <a:t>10/01/2018</a:t>
             </a:fld>
             <a:endParaRPr lang="fr-FR"/>
           </a:p>
@@ -4471,7 +4471,7 @@
           <a:p>
             <a:fld id="{612FF8F0-DE16-4E3D-846B-B895487F9DC8}" type="datetimeFigureOut">
               <a:rPr lang="fr-FR" smtClean="0"/>
-              <a:t>09/01/2018</a:t>
+              <a:t>10/01/2018</a:t>
             </a:fld>
             <a:endParaRPr lang="fr-FR"/>
           </a:p>
@@ -4883,7 +4883,7 @@
           <a:p>
             <a:fld id="{612FF8F0-DE16-4E3D-846B-B895487F9DC8}" type="datetimeFigureOut">
               <a:rPr lang="fr-FR" smtClean="0"/>
-              <a:t>09/01/2018</a:t>
+              <a:t>10/01/2018</a:t>
             </a:fld>
             <a:endParaRPr lang="fr-FR"/>
           </a:p>
@@ -5024,7 +5024,7 @@
           <a:p>
             <a:fld id="{612FF8F0-DE16-4E3D-846B-B895487F9DC8}" type="datetimeFigureOut">
               <a:rPr lang="fr-FR" smtClean="0"/>
-              <a:t>09/01/2018</a:t>
+              <a:t>10/01/2018</a:t>
             </a:fld>
             <a:endParaRPr lang="fr-FR"/>
           </a:p>
@@ -5137,7 +5137,7 @@
           <a:p>
             <a:fld id="{612FF8F0-DE16-4E3D-846B-B895487F9DC8}" type="datetimeFigureOut">
               <a:rPr lang="fr-FR" smtClean="0"/>
-              <a:t>09/01/2018</a:t>
+              <a:t>10/01/2018</a:t>
             </a:fld>
             <a:endParaRPr lang="fr-FR"/>
           </a:p>
@@ -5448,7 +5448,7 @@
           <a:p>
             <a:fld id="{612FF8F0-DE16-4E3D-846B-B895487F9DC8}" type="datetimeFigureOut">
               <a:rPr lang="fr-FR" smtClean="0"/>
-              <a:t>09/01/2018</a:t>
+              <a:t>10/01/2018</a:t>
             </a:fld>
             <a:endParaRPr lang="fr-FR"/>
           </a:p>
@@ -5736,7 +5736,7 @@
           <a:p>
             <a:fld id="{612FF8F0-DE16-4E3D-846B-B895487F9DC8}" type="datetimeFigureOut">
               <a:rPr lang="fr-FR" smtClean="0"/>
-              <a:t>09/01/2018</a:t>
+              <a:t>10/01/2018</a:t>
             </a:fld>
             <a:endParaRPr lang="fr-FR"/>
           </a:p>
@@ -5934,7 +5934,7 @@
           <a:p>
             <a:fld id="{612FF8F0-DE16-4E3D-846B-B895487F9DC8}" type="datetimeFigureOut">
               <a:rPr lang="fr-FR" smtClean="0"/>
-              <a:t>09/01/2018</a:t>
+              <a:t>10/01/2018</a:t>
             </a:fld>
             <a:endParaRPr lang="fr-FR"/>
           </a:p>
@@ -6142,7 +6142,7 @@
           <a:p>
             <a:fld id="{612FF8F0-DE16-4E3D-846B-B895487F9DC8}" type="datetimeFigureOut">
               <a:rPr lang="fr-FR" smtClean="0"/>
-              <a:t>09/01/2018</a:t>
+              <a:t>10/01/2018</a:t>
             </a:fld>
             <a:endParaRPr lang="fr-FR"/>
           </a:p>
@@ -6444,7 +6444,7 @@
             <a:fld id="{48A87A34-81AB-432B-8DAE-1953F412C126}" type="datetimeFigureOut">
               <a:rPr lang="en-US" dirty="0"/>
               <a:pPr/>
-              <a:t>1/9/2018</a:t>
+              <a:t>1/10/2018</a:t>
             </a:fld>
             <a:endParaRPr lang="en-US" dirty="0"/>
           </a:p>
@@ -6681,7 +6681,7 @@
           <a:p>
             <a:fld id="{48A87A34-81AB-432B-8DAE-1953F412C126}" type="datetimeFigureOut">
               <a:rPr lang="en-US" dirty="0"/>
-              <a:t>1/9/2018</a:t>
+              <a:t>1/10/2018</a:t>
             </a:fld>
             <a:endParaRPr lang="en-US" dirty="0"/>
           </a:p>
@@ -7055,7 +7055,7 @@
           <a:p>
             <a:fld id="{48A87A34-81AB-432B-8DAE-1953F412C126}" type="datetimeFigureOut">
               <a:rPr lang="en-US" dirty="0"/>
-              <a:t>1/9/2018</a:t>
+              <a:t>1/10/2018</a:t>
             </a:fld>
             <a:endParaRPr lang="en-US" dirty="0"/>
           </a:p>
@@ -7168,7 +7168,7 @@
           <a:p>
             <a:fld id="{48A87A34-81AB-432B-8DAE-1953F412C126}" type="datetimeFigureOut">
               <a:rPr lang="en-US" dirty="0"/>
-              <a:t>1/9/2018</a:t>
+              <a:t>1/10/2018</a:t>
             </a:fld>
             <a:endParaRPr lang="en-US" dirty="0"/>
           </a:p>
@@ -7258,7 +7258,7 @@
           <a:p>
             <a:fld id="{48A87A34-81AB-432B-8DAE-1953F412C126}" type="datetimeFigureOut">
               <a:rPr lang="en-US" dirty="0"/>
-              <a:t>1/9/2018</a:t>
+              <a:t>1/10/2018</a:t>
             </a:fld>
             <a:endParaRPr lang="en-US" dirty="0"/>
           </a:p>
@@ -7502,7 +7502,7 @@
           <a:p>
             <a:fld id="{48A87A34-81AB-432B-8DAE-1953F412C126}" type="datetimeFigureOut">
               <a:rPr lang="en-US" dirty="0"/>
-              <a:t>1/9/2018</a:t>
+              <a:t>1/10/2018</a:t>
             </a:fld>
             <a:endParaRPr lang="en-US" dirty="0"/>
           </a:p>
@@ -7754,7 +7754,7 @@
           <a:p>
             <a:fld id="{48A87A34-81AB-432B-8DAE-1953F412C126}" type="datetimeFigureOut">
               <a:rPr lang="en-US" dirty="0"/>
-              <a:t>1/9/2018</a:t>
+              <a:t>1/10/2018</a:t>
             </a:fld>
             <a:endParaRPr lang="en-US" dirty="0"/>
           </a:p>
@@ -7993,7 +7993,7 @@
             <a:fld id="{48A87A34-81AB-432B-8DAE-1953F412C126}" type="datetimeFigureOut">
               <a:rPr lang="en-US" dirty="0"/>
               <a:pPr/>
-              <a:t>1/9/2018</a:t>
+              <a:t>1/10/2018</a:t>
             </a:fld>
             <a:endParaRPr lang="en-US" dirty="0"/>
           </a:p>
@@ -8551,7 +8551,7 @@
           <a:p>
             <a:fld id="{612FF8F0-DE16-4E3D-846B-B895487F9DC8}" type="datetimeFigureOut">
               <a:rPr lang="fr-FR" smtClean="0"/>
-              <a:t>09/01/2018</a:t>
+              <a:t>10/01/2018</a:t>
             </a:fld>
             <a:endParaRPr lang="fr-FR"/>
           </a:p>
@@ -9201,8 +9201,8 @@
               <a:t>Aide pour les </a:t>
             </a:r>
             <a:r>
-              <a:rPr lang="en-US" dirty="0" err="1"/>
-              <a:t>differentes</a:t>
+              <a:rPr lang="en-US"/>
+              <a:t>différentes</a:t>
             </a:r>
             <a:r>
               <a:rPr lang="en-US" dirty="0"/>
@@ -9738,7 +9738,7 @@
             </a:pPr>
             <a:r>
               <a:rPr lang="fr-FR" dirty="0"/>
-              <a:t>Au moment de fermer le programme, sauvegarde des modifications ou conservation de la version initiale</a:t>
+              <a:t>Aide qui permet d’obtenir les informations sur les différentes options du programme </a:t>
             </a:r>
           </a:p>
           <a:p>
